--- a/week05/Lab05.pptx
+++ b/week05/Lab05.pptx
@@ -5,35 +5,35 @@
     <p:sldMasterId id="2147483648" r:id="rId1"/>
   </p:sldMasterIdLst>
   <p:notesMasterIdLst>
-    <p:notesMasterId r:id="rId28"/>
+    <p:notesMasterId r:id="rId8"/>
   </p:notesMasterIdLst>
   <p:sldIdLst>
-    <p:sldId id="256" r:id="rId2"/>
-    <p:sldId id="477" r:id="rId3"/>
-    <p:sldId id="1002" r:id="rId4"/>
-    <p:sldId id="435" r:id="rId5"/>
-    <p:sldId id="437" r:id="rId6"/>
-    <p:sldId id="577" r:id="rId7"/>
-    <p:sldId id="654" r:id="rId8"/>
-    <p:sldId id="655" r:id="rId9"/>
-    <p:sldId id="656" r:id="rId10"/>
-    <p:sldId id="658" r:id="rId11"/>
-    <p:sldId id="659" r:id="rId12"/>
-    <p:sldId id="660" r:id="rId13"/>
-    <p:sldId id="661" r:id="rId14"/>
-    <p:sldId id="662" r:id="rId15"/>
-    <p:sldId id="663" r:id="rId16"/>
-    <p:sldId id="664" r:id="rId17"/>
-    <p:sldId id="665" r:id="rId18"/>
-    <p:sldId id="672" r:id="rId19"/>
-    <p:sldId id="666" r:id="rId20"/>
-    <p:sldId id="667" r:id="rId21"/>
-    <p:sldId id="668" r:id="rId22"/>
-    <p:sldId id="669" r:id="rId23"/>
-    <p:sldId id="670" r:id="rId24"/>
-    <p:sldId id="481" r:id="rId25"/>
-    <p:sldId id="1001" r:id="rId26"/>
-    <p:sldId id="671" r:id="rId27"/>
+    <p:sldId id="256" r:id="rId3"/>
+    <p:sldId id="477" r:id="rId4"/>
+    <p:sldId id="1002" r:id="rId5"/>
+    <p:sldId id="435" r:id="rId6"/>
+    <p:sldId id="437" r:id="rId7"/>
+    <p:sldId id="577" r:id="rId9"/>
+    <p:sldId id="654" r:id="rId10"/>
+    <p:sldId id="655" r:id="rId11"/>
+    <p:sldId id="656" r:id="rId12"/>
+    <p:sldId id="658" r:id="rId13"/>
+    <p:sldId id="659" r:id="rId14"/>
+    <p:sldId id="660" r:id="rId15"/>
+    <p:sldId id="661" r:id="rId16"/>
+    <p:sldId id="662" r:id="rId17"/>
+    <p:sldId id="663" r:id="rId18"/>
+    <p:sldId id="664" r:id="rId19"/>
+    <p:sldId id="665" r:id="rId20"/>
+    <p:sldId id="672" r:id="rId21"/>
+    <p:sldId id="666" r:id="rId22"/>
+    <p:sldId id="667" r:id="rId23"/>
+    <p:sldId id="668" r:id="rId24"/>
+    <p:sldId id="669" r:id="rId25"/>
+    <p:sldId id="670" r:id="rId26"/>
+    <p:sldId id="481" r:id="rId27"/>
+    <p:sldId id="1001" r:id="rId28"/>
+    <p:sldId id="671" r:id="rId29"/>
   </p:sldIdLst>
   <p:sldSz cx="12192000" cy="6858000"/>
   <p:notesSz cx="6858000" cy="9144000"/>
@@ -132,11 +132,6 @@
       </a:defRPr>
     </a:lvl9pPr>
   </p:defaultTextStyle>
-  <p:extLst>
-    <p:ext uri="{EFAFB233-063F-42B5-8137-9DF3F51BA10A}">
-      <p15:sldGuideLst xmlns:p15="http://schemas.microsoft.com/office/powerpoint/2012/main"/>
-    </p:ext>
-  </p:extLst>
 </p:presentation>
 </file>
 
@@ -222,7 +217,6 @@
           <a:p>
             <a:fld id="{D1237EF7-A117-46B7-88A8-1B7FB98FF0F2}" type="datetimeFigureOut">
               <a:rPr lang="zh-CN" altLang="en-US" smtClean="0"/>
-              <a:t>2021/10/7</a:t>
             </a:fld>
             <a:endParaRPr lang="zh-CN" altLang="en-US"/>
           </a:p>
@@ -289,6 +283,7 @@
               <a:rPr lang="zh-CN" altLang="en-US"/>
               <a:t>单击此处编辑母版文本样式</a:t>
             </a:r>
+            <a:endParaRPr lang="zh-CN" altLang="en-US"/>
           </a:p>
           <a:p>
             <a:pPr lvl="1"/>
@@ -296,6 +291,7 @@
               <a:rPr lang="zh-CN" altLang="en-US"/>
               <a:t>二级</a:t>
             </a:r>
+            <a:endParaRPr lang="zh-CN" altLang="en-US"/>
           </a:p>
           <a:p>
             <a:pPr lvl="2"/>
@@ -303,6 +299,7 @@
               <a:rPr lang="zh-CN" altLang="en-US"/>
               <a:t>三级</a:t>
             </a:r>
+            <a:endParaRPr lang="zh-CN" altLang="en-US"/>
           </a:p>
           <a:p>
             <a:pPr lvl="3"/>
@@ -310,6 +307,7 @@
               <a:rPr lang="zh-CN" altLang="en-US"/>
               <a:t>四级</a:t>
             </a:r>
+            <a:endParaRPr lang="zh-CN" altLang="en-US"/>
           </a:p>
           <a:p>
             <a:pPr lvl="4"/>
@@ -317,6 +315,7 @@
               <a:rPr lang="zh-CN" altLang="en-US"/>
               <a:t>五级</a:t>
             </a:r>
+            <a:endParaRPr lang="zh-CN" altLang="en-US"/>
           </a:p>
         </p:txBody>
       </p:sp>
@@ -380,7 +379,6 @@
           <a:p>
             <a:fld id="{7B705520-EB74-4E10-9207-DDFEA7EA0F0E}" type="slidenum">
               <a:rPr lang="zh-CN" altLang="en-US" smtClean="0"/>
-              <a:t>‹#›</a:t>
             </a:fld>
             <a:endParaRPr lang="zh-CN" altLang="en-US"/>
           </a:p>
@@ -518,8 +516,6 @@
               <a:srgbClr val="000000"/>
             </a:solidFill>
             <a:miter lim="800000"/>
-            <a:headEnd/>
-            <a:tailEnd/>
           </a:ln>
         </p:spPr>
       </p:sp>
@@ -535,14 +531,10 @@
         </p:nvSpPr>
         <p:spPr/>
         <p:txBody>
-          <a:bodyPr wrap="square" numCol="1" anchor="t" anchorCtr="0" compatLnSpc="1">
-            <a:prstTxWarp prst="textNoShape">
-              <a:avLst/>
-            </a:prstTxWarp>
-          </a:bodyPr>
-          <a:lstStyle/>
-          <a:p>
-            <a:pPr marL="542948" indent="-542948" eaLnBrk="1" hangingPunct="1">
+          <a:bodyPr wrap="square" numCol="1" anchor="t" anchorCtr="0" compatLnSpc="1"/>
+          <a:lstStyle/>
+          <a:p>
+            <a:pPr marL="542925" indent="-542925" eaLnBrk="1" hangingPunct="1">
               <a:spcBef>
                 <a:spcPct val="0"/>
               </a:spcBef>
@@ -600,7 +592,6 @@
               <a:buSzTx/>
               <a:buFontTx/>
               <a:buNone/>
-              <a:tabLst/>
               <a:defRPr/>
             </a:pPr>
             <a:fld id="{CD5C04F1-088D-43BB-BF6A-7E5350A2ABBF}" type="slidenum">
@@ -618,24 +609,6 @@
                 <a:ea typeface="等线" panose="02010600030101010101" pitchFamily="2" charset="-122"/>
                 <a:cs typeface="+mn-cs"/>
               </a:rPr>
-              <a:pPr marL="0" marR="0" lvl="0" indent="0" algn="r" defTabSz="914400" rtl="0" eaLnBrk="1" fontAlgn="auto" latinLnBrk="0" hangingPunct="1">
-                <a:lnSpc>
-                  <a:spcPct val="100000"/>
-                </a:lnSpc>
-                <a:spcBef>
-                  <a:spcPts val="0"/>
-                </a:spcBef>
-                <a:spcAft>
-                  <a:spcPts val="0"/>
-                </a:spcAft>
-                <a:buClrTx/>
-                <a:buSzTx/>
-                <a:buFontTx/>
-                <a:buNone/>
-                <a:tabLst/>
-                <a:defRPr/>
-              </a:pPr>
-              <a:t>5</a:t>
             </a:fld>
             <a:endParaRPr kumimoji="0" lang="en-US" altLang="zh-CN" sz="1200" b="0" i="0" u="none" strike="noStrike" kern="1200" cap="none" spc="0" normalizeH="0" baseline="0" noProof="0">
               <a:ln>
@@ -707,6 +680,7 @@
               <a:rPr lang="zh-CN" altLang="en-US"/>
               <a:t>单击此处编辑母版标题样式</a:t>
             </a:r>
+            <a:endParaRPr lang="zh-CN" altLang="en-US"/>
           </a:p>
         </p:txBody>
       </p:sp>
@@ -771,6 +745,7 @@
               <a:rPr lang="zh-CN" altLang="en-US" dirty="0"/>
               <a:t>单击此处编辑母版副标题样式</a:t>
             </a:r>
+            <a:endParaRPr lang="zh-CN" altLang="en-US" dirty="0"/>
           </a:p>
         </p:txBody>
       </p:sp>
@@ -791,7 +766,6 @@
           <a:p>
             <a:fld id="{FC19A4FA-3D9A-4114-B0D5-759CBD56F1AB}" type="datetimeFigureOut">
               <a:rPr lang="zh-CN" altLang="en-US" smtClean="0"/>
-              <a:t>2021/10/7</a:t>
             </a:fld>
             <a:endParaRPr lang="zh-CN" altLang="en-US"/>
           </a:p>
@@ -833,7 +807,6 @@
           <a:p>
             <a:fld id="{506F4176-339E-4C4B-80E4-BBE9C4467EFE}" type="slidenum">
               <a:rPr lang="zh-CN" altLang="en-US" smtClean="0"/>
-              <a:t>‹#›</a:t>
             </a:fld>
             <a:endParaRPr lang="zh-CN" altLang="en-US"/>
           </a:p>
@@ -914,6 +887,7 @@
               <a:rPr lang="zh-CN" altLang="en-US"/>
               <a:t>单击此处编辑母版标题样式</a:t>
             </a:r>
+            <a:endParaRPr lang="zh-CN" altLang="en-US"/>
           </a:p>
         </p:txBody>
       </p:sp>
@@ -937,6 +911,7 @@
               <a:rPr lang="zh-CN" altLang="en-US"/>
               <a:t>单击此处编辑母版文本样式</a:t>
             </a:r>
+            <a:endParaRPr lang="zh-CN" altLang="en-US"/>
           </a:p>
           <a:p>
             <a:pPr lvl="1"/>
@@ -944,6 +919,7 @@
               <a:rPr lang="zh-CN" altLang="en-US"/>
               <a:t>第二级</a:t>
             </a:r>
+            <a:endParaRPr lang="zh-CN" altLang="en-US"/>
           </a:p>
           <a:p>
             <a:pPr lvl="2"/>
@@ -951,6 +927,7 @@
               <a:rPr lang="zh-CN" altLang="en-US"/>
               <a:t>第三级</a:t>
             </a:r>
+            <a:endParaRPr lang="zh-CN" altLang="en-US"/>
           </a:p>
           <a:p>
             <a:pPr lvl="3"/>
@@ -958,6 +935,7 @@
               <a:rPr lang="zh-CN" altLang="en-US"/>
               <a:t>第四级</a:t>
             </a:r>
+            <a:endParaRPr lang="zh-CN" altLang="en-US"/>
           </a:p>
           <a:p>
             <a:pPr lvl="4"/>
@@ -965,6 +943,7 @@
               <a:rPr lang="zh-CN" altLang="en-US"/>
               <a:t>第五级</a:t>
             </a:r>
+            <a:endParaRPr lang="zh-CN" altLang="en-US"/>
           </a:p>
         </p:txBody>
       </p:sp>
@@ -985,7 +964,6 @@
           <a:p>
             <a:fld id="{FC19A4FA-3D9A-4114-B0D5-759CBD56F1AB}" type="datetimeFigureOut">
               <a:rPr lang="zh-CN" altLang="en-US" smtClean="0"/>
-              <a:t>2021/10/7</a:t>
             </a:fld>
             <a:endParaRPr lang="zh-CN" altLang="en-US"/>
           </a:p>
@@ -1027,7 +1005,6 @@
           <a:p>
             <a:fld id="{506F4176-339E-4C4B-80E4-BBE9C4467EFE}" type="slidenum">
               <a:rPr lang="zh-CN" altLang="en-US" smtClean="0"/>
-              <a:t>‹#›</a:t>
             </a:fld>
             <a:endParaRPr lang="zh-CN" altLang="en-US"/>
           </a:p>
@@ -1082,6 +1059,7 @@
               <a:rPr lang="zh-CN" altLang="en-US"/>
               <a:t>单击此处编辑母版标题样式</a:t>
             </a:r>
+            <a:endParaRPr lang="zh-CN" altLang="en-US"/>
           </a:p>
         </p:txBody>
       </p:sp>
@@ -1110,6 +1088,7 @@
               <a:rPr lang="zh-CN" altLang="en-US"/>
               <a:t>单击此处编辑母版文本样式</a:t>
             </a:r>
+            <a:endParaRPr lang="zh-CN" altLang="en-US"/>
           </a:p>
           <a:p>
             <a:pPr lvl="1"/>
@@ -1117,6 +1096,7 @@
               <a:rPr lang="zh-CN" altLang="en-US"/>
               <a:t>第二级</a:t>
             </a:r>
+            <a:endParaRPr lang="zh-CN" altLang="en-US"/>
           </a:p>
           <a:p>
             <a:pPr lvl="2"/>
@@ -1124,6 +1104,7 @@
               <a:rPr lang="zh-CN" altLang="en-US"/>
               <a:t>第三级</a:t>
             </a:r>
+            <a:endParaRPr lang="zh-CN" altLang="en-US"/>
           </a:p>
           <a:p>
             <a:pPr lvl="3"/>
@@ -1131,6 +1112,7 @@
               <a:rPr lang="zh-CN" altLang="en-US"/>
               <a:t>第四级</a:t>
             </a:r>
+            <a:endParaRPr lang="zh-CN" altLang="en-US"/>
           </a:p>
           <a:p>
             <a:pPr lvl="4"/>
@@ -1138,6 +1120,7 @@
               <a:rPr lang="zh-CN" altLang="en-US"/>
               <a:t>第五级</a:t>
             </a:r>
+            <a:endParaRPr lang="zh-CN" altLang="en-US"/>
           </a:p>
         </p:txBody>
       </p:sp>
@@ -1158,7 +1141,6 @@
           <a:p>
             <a:fld id="{FC19A4FA-3D9A-4114-B0D5-759CBD56F1AB}" type="datetimeFigureOut">
               <a:rPr lang="zh-CN" altLang="en-US" smtClean="0"/>
-              <a:t>2021/10/7</a:t>
             </a:fld>
             <a:endParaRPr lang="zh-CN" altLang="en-US"/>
           </a:p>
@@ -1200,7 +1182,6 @@
           <a:p>
             <a:fld id="{506F4176-339E-4C4B-80E4-BBE9C4467EFE}" type="slidenum">
               <a:rPr lang="zh-CN" altLang="en-US" smtClean="0"/>
-              <a:t>‹#›</a:t>
             </a:fld>
             <a:endParaRPr lang="zh-CN" altLang="en-US"/>
           </a:p>
@@ -1255,6 +1236,7 @@
               <a:rPr lang="zh-CN" altLang="en-US" dirty="0"/>
               <a:t>单击此处编辑母版标题样式</a:t>
             </a:r>
+            <a:endParaRPr lang="zh-CN" altLang="en-US" dirty="0"/>
           </a:p>
         </p:txBody>
       </p:sp>
@@ -1294,6 +1276,7 @@
               <a:rPr lang="zh-CN" altLang="en-US" dirty="0"/>
               <a:t>单击此处编辑母版文本样式</a:t>
             </a:r>
+            <a:endParaRPr lang="zh-CN" altLang="en-US" dirty="0"/>
           </a:p>
           <a:p>
             <a:pPr lvl="1"/>
@@ -1301,6 +1284,7 @@
               <a:rPr lang="zh-CN" altLang="en-US" dirty="0"/>
               <a:t>第二级</a:t>
             </a:r>
+            <a:endParaRPr lang="zh-CN" altLang="en-US" dirty="0"/>
           </a:p>
           <a:p>
             <a:pPr lvl="2"/>
@@ -1308,6 +1292,7 @@
               <a:rPr lang="zh-CN" altLang="en-US" dirty="0"/>
               <a:t>第三级</a:t>
             </a:r>
+            <a:endParaRPr lang="zh-CN" altLang="en-US" dirty="0"/>
           </a:p>
           <a:p>
             <a:pPr lvl="3"/>
@@ -1315,6 +1300,7 @@
               <a:rPr lang="zh-CN" altLang="en-US" dirty="0"/>
               <a:t>第四级</a:t>
             </a:r>
+            <a:endParaRPr lang="zh-CN" altLang="en-US" dirty="0"/>
           </a:p>
           <a:p>
             <a:pPr lvl="4"/>
@@ -1322,6 +1308,7 @@
               <a:rPr lang="zh-CN" altLang="en-US" dirty="0"/>
               <a:t>第五级</a:t>
             </a:r>
+            <a:endParaRPr lang="zh-CN" altLang="en-US" dirty="0"/>
           </a:p>
         </p:txBody>
       </p:sp>
@@ -1342,7 +1329,6 @@
           <a:p>
             <a:fld id="{FC19A4FA-3D9A-4114-B0D5-759CBD56F1AB}" type="datetimeFigureOut">
               <a:rPr lang="zh-CN" altLang="en-US" smtClean="0"/>
-              <a:t>2021/10/7</a:t>
             </a:fld>
             <a:endParaRPr lang="zh-CN" altLang="en-US"/>
           </a:p>
@@ -1384,7 +1370,6 @@
           <a:p>
             <a:fld id="{506F4176-339E-4C4B-80E4-BBE9C4467EFE}" type="slidenum">
               <a:rPr lang="zh-CN" altLang="en-US" smtClean="0"/>
-              <a:t>‹#›</a:t>
             </a:fld>
             <a:endParaRPr lang="zh-CN" altLang="en-US"/>
           </a:p>
@@ -1467,6 +1452,7 @@
               <a:rPr lang="zh-CN" altLang="en-US"/>
               <a:t>单击此处编辑母版标题样式</a:t>
             </a:r>
+            <a:endParaRPr lang="zh-CN" altLang="en-US"/>
           </a:p>
         </p:txBody>
       </p:sp>
@@ -1495,6 +1481,7 @@
               <a:rPr lang="zh-CN" altLang="en-US"/>
               <a:t>单击此处编辑母版文本样式</a:t>
             </a:r>
+            <a:endParaRPr lang="zh-CN" altLang="en-US"/>
           </a:p>
           <a:p>
             <a:pPr lvl="1"/>
@@ -1502,6 +1489,7 @@
               <a:rPr lang="zh-CN" altLang="en-US"/>
               <a:t>第二级</a:t>
             </a:r>
+            <a:endParaRPr lang="zh-CN" altLang="en-US"/>
           </a:p>
           <a:p>
             <a:pPr lvl="2"/>
@@ -1509,6 +1497,7 @@
               <a:rPr lang="zh-CN" altLang="en-US"/>
               <a:t>第三级</a:t>
             </a:r>
+            <a:endParaRPr lang="zh-CN" altLang="en-US"/>
           </a:p>
           <a:p>
             <a:pPr lvl="3"/>
@@ -1516,6 +1505,7 @@
               <a:rPr lang="zh-CN" altLang="en-US"/>
               <a:t>第四级</a:t>
             </a:r>
+            <a:endParaRPr lang="zh-CN" altLang="en-US"/>
           </a:p>
           <a:p>
             <a:pPr lvl="4"/>
@@ -1523,6 +1513,7 @@
               <a:rPr lang="zh-CN" altLang="en-US"/>
               <a:t>第五级</a:t>
             </a:r>
+            <a:endParaRPr lang="zh-CN" altLang="en-US"/>
           </a:p>
         </p:txBody>
       </p:sp>
@@ -1551,6 +1542,7 @@
               <a:rPr lang="zh-CN" altLang="en-US"/>
               <a:t>单击此处编辑母版文本样式</a:t>
             </a:r>
+            <a:endParaRPr lang="zh-CN" altLang="en-US"/>
           </a:p>
           <a:p>
             <a:pPr lvl="1"/>
@@ -1558,6 +1550,7 @@
               <a:rPr lang="zh-CN" altLang="en-US"/>
               <a:t>第二级</a:t>
             </a:r>
+            <a:endParaRPr lang="zh-CN" altLang="en-US"/>
           </a:p>
           <a:p>
             <a:pPr lvl="2"/>
@@ -1565,6 +1558,7 @@
               <a:rPr lang="zh-CN" altLang="en-US"/>
               <a:t>第三级</a:t>
             </a:r>
+            <a:endParaRPr lang="zh-CN" altLang="en-US"/>
           </a:p>
           <a:p>
             <a:pPr lvl="3"/>
@@ -1572,6 +1566,7 @@
               <a:rPr lang="zh-CN" altLang="en-US"/>
               <a:t>第四级</a:t>
             </a:r>
+            <a:endParaRPr lang="zh-CN" altLang="en-US"/>
           </a:p>
           <a:p>
             <a:pPr lvl="4"/>
@@ -1579,6 +1574,7 @@
               <a:rPr lang="zh-CN" altLang="en-US"/>
               <a:t>第五级</a:t>
             </a:r>
+            <a:endParaRPr lang="zh-CN" altLang="en-US"/>
           </a:p>
         </p:txBody>
       </p:sp>
@@ -1599,7 +1595,6 @@
           <a:p>
             <a:fld id="{FC19A4FA-3D9A-4114-B0D5-759CBD56F1AB}" type="datetimeFigureOut">
               <a:rPr lang="zh-CN" altLang="en-US" smtClean="0"/>
-              <a:t>2021/10/7</a:t>
             </a:fld>
             <a:endParaRPr lang="zh-CN" altLang="en-US"/>
           </a:p>
@@ -1641,7 +1636,6 @@
           <a:p>
             <a:fld id="{506F4176-339E-4C4B-80E4-BBE9C4467EFE}" type="slidenum">
               <a:rPr lang="zh-CN" altLang="en-US" smtClean="0"/>
-              <a:t>‹#›</a:t>
             </a:fld>
             <a:endParaRPr lang="zh-CN" altLang="en-US"/>
           </a:p>
@@ -1724,6 +1718,7 @@
               <a:rPr lang="zh-CN" altLang="en-US"/>
               <a:t>单击此处编辑母版标题样式</a:t>
             </a:r>
+            <a:endParaRPr lang="zh-CN" altLang="en-US"/>
           </a:p>
         </p:txBody>
       </p:sp>
@@ -1789,6 +1784,7 @@
               <a:rPr lang="zh-CN" altLang="en-US"/>
               <a:t>单击此处编辑母版文本样式</a:t>
             </a:r>
+            <a:endParaRPr lang="zh-CN" altLang="en-US"/>
           </a:p>
         </p:txBody>
       </p:sp>
@@ -1817,6 +1813,7 @@
               <a:rPr lang="zh-CN" altLang="en-US"/>
               <a:t>单击此处编辑母版文本样式</a:t>
             </a:r>
+            <a:endParaRPr lang="zh-CN" altLang="en-US"/>
           </a:p>
           <a:p>
             <a:pPr lvl="1"/>
@@ -1824,6 +1821,7 @@
               <a:rPr lang="zh-CN" altLang="en-US"/>
               <a:t>第二级</a:t>
             </a:r>
+            <a:endParaRPr lang="zh-CN" altLang="en-US"/>
           </a:p>
           <a:p>
             <a:pPr lvl="2"/>
@@ -1831,6 +1829,7 @@
               <a:rPr lang="zh-CN" altLang="en-US"/>
               <a:t>第三级</a:t>
             </a:r>
+            <a:endParaRPr lang="zh-CN" altLang="en-US"/>
           </a:p>
           <a:p>
             <a:pPr lvl="3"/>
@@ -1838,6 +1837,7 @@
               <a:rPr lang="zh-CN" altLang="en-US"/>
               <a:t>第四级</a:t>
             </a:r>
+            <a:endParaRPr lang="zh-CN" altLang="en-US"/>
           </a:p>
           <a:p>
             <a:pPr lvl="4"/>
@@ -1845,6 +1845,7 @@
               <a:rPr lang="zh-CN" altLang="en-US"/>
               <a:t>第五级</a:t>
             </a:r>
+            <a:endParaRPr lang="zh-CN" altLang="en-US"/>
           </a:p>
         </p:txBody>
       </p:sp>
@@ -1910,6 +1911,7 @@
               <a:rPr lang="zh-CN" altLang="en-US"/>
               <a:t>单击此处编辑母版文本样式</a:t>
             </a:r>
+            <a:endParaRPr lang="zh-CN" altLang="en-US"/>
           </a:p>
         </p:txBody>
       </p:sp>
@@ -1938,6 +1940,7 @@
               <a:rPr lang="zh-CN" altLang="en-US"/>
               <a:t>单击此处编辑母版文本样式</a:t>
             </a:r>
+            <a:endParaRPr lang="zh-CN" altLang="en-US"/>
           </a:p>
           <a:p>
             <a:pPr lvl="1"/>
@@ -1945,6 +1948,7 @@
               <a:rPr lang="zh-CN" altLang="en-US"/>
               <a:t>第二级</a:t>
             </a:r>
+            <a:endParaRPr lang="zh-CN" altLang="en-US"/>
           </a:p>
           <a:p>
             <a:pPr lvl="2"/>
@@ -1952,6 +1956,7 @@
               <a:rPr lang="zh-CN" altLang="en-US"/>
               <a:t>第三级</a:t>
             </a:r>
+            <a:endParaRPr lang="zh-CN" altLang="en-US"/>
           </a:p>
           <a:p>
             <a:pPr lvl="3"/>
@@ -1959,6 +1964,7 @@
               <a:rPr lang="zh-CN" altLang="en-US"/>
               <a:t>第四级</a:t>
             </a:r>
+            <a:endParaRPr lang="zh-CN" altLang="en-US"/>
           </a:p>
           <a:p>
             <a:pPr lvl="4"/>
@@ -1966,6 +1972,7 @@
               <a:rPr lang="zh-CN" altLang="en-US"/>
               <a:t>第五级</a:t>
             </a:r>
+            <a:endParaRPr lang="zh-CN" altLang="en-US"/>
           </a:p>
         </p:txBody>
       </p:sp>
@@ -1986,7 +1993,6 @@
           <a:p>
             <a:fld id="{FC19A4FA-3D9A-4114-B0D5-759CBD56F1AB}" type="datetimeFigureOut">
               <a:rPr lang="zh-CN" altLang="en-US" smtClean="0"/>
-              <a:t>2021/10/7</a:t>
             </a:fld>
             <a:endParaRPr lang="zh-CN" altLang="en-US"/>
           </a:p>
@@ -2028,7 +2034,6 @@
           <a:p>
             <a:fld id="{506F4176-339E-4C4B-80E4-BBE9C4467EFE}" type="slidenum">
               <a:rPr lang="zh-CN" altLang="en-US" smtClean="0"/>
-              <a:t>‹#›</a:t>
             </a:fld>
             <a:endParaRPr lang="zh-CN" altLang="en-US"/>
           </a:p>
@@ -2115,6 +2120,7 @@
               <a:rPr lang="zh-CN" altLang="en-US"/>
               <a:t>单击此处编辑母版标题样式</a:t>
             </a:r>
+            <a:endParaRPr lang="zh-CN" altLang="en-US"/>
           </a:p>
         </p:txBody>
       </p:sp>
@@ -2234,6 +2240,7 @@
               <a:rPr lang="zh-CN" altLang="en-US"/>
               <a:t>单击此处编辑母版文本样式</a:t>
             </a:r>
+            <a:endParaRPr lang="zh-CN" altLang="en-US"/>
           </a:p>
         </p:txBody>
       </p:sp>
@@ -2254,7 +2261,6 @@
           <a:p>
             <a:fld id="{FC19A4FA-3D9A-4114-B0D5-759CBD56F1AB}" type="datetimeFigureOut">
               <a:rPr lang="zh-CN" altLang="en-US" smtClean="0"/>
-              <a:t>2021/10/7</a:t>
             </a:fld>
             <a:endParaRPr lang="zh-CN" altLang="en-US"/>
           </a:p>
@@ -2296,7 +2302,6 @@
           <a:p>
             <a:fld id="{506F4176-339E-4C4B-80E4-BBE9C4467EFE}" type="slidenum">
               <a:rPr lang="zh-CN" altLang="en-US" smtClean="0"/>
-              <a:t>‹#›</a:t>
             </a:fld>
             <a:endParaRPr lang="zh-CN" altLang="en-US"/>
           </a:p>
@@ -2374,6 +2379,7 @@
               <a:rPr lang="zh-CN" altLang="en-US"/>
               <a:t>单击此处编辑母版标题样式</a:t>
             </a:r>
+            <a:endParaRPr lang="zh-CN" altLang="en-US"/>
           </a:p>
         </p:txBody>
       </p:sp>
@@ -2394,7 +2400,6 @@
           <a:p>
             <a:fld id="{FC19A4FA-3D9A-4114-B0D5-759CBD56F1AB}" type="datetimeFigureOut">
               <a:rPr lang="zh-CN" altLang="en-US" smtClean="0"/>
-              <a:t>2021/10/7</a:t>
             </a:fld>
             <a:endParaRPr lang="zh-CN" altLang="en-US"/>
           </a:p>
@@ -2436,7 +2441,6 @@
           <a:p>
             <a:fld id="{506F4176-339E-4C4B-80E4-BBE9C4467EFE}" type="slidenum">
               <a:rPr lang="zh-CN" altLang="en-US" smtClean="0"/>
-              <a:t>‹#›</a:t>
             </a:fld>
             <a:endParaRPr lang="zh-CN" altLang="en-US"/>
           </a:p>
@@ -2484,7 +2488,6 @@
           <a:p>
             <a:fld id="{FC19A4FA-3D9A-4114-B0D5-759CBD56F1AB}" type="datetimeFigureOut">
               <a:rPr lang="zh-CN" altLang="en-US" smtClean="0"/>
-              <a:t>2021/10/7</a:t>
             </a:fld>
             <a:endParaRPr lang="zh-CN" altLang="en-US"/>
           </a:p>
@@ -2526,7 +2529,6 @@
           <a:p>
             <a:fld id="{506F4176-339E-4C4B-80E4-BBE9C4467EFE}" type="slidenum">
               <a:rPr lang="zh-CN" altLang="en-US" smtClean="0"/>
-              <a:t>‹#›</a:t>
             </a:fld>
             <a:endParaRPr lang="zh-CN" altLang="en-US"/>
           </a:p>
@@ -2585,6 +2587,7 @@
               <a:rPr lang="zh-CN" altLang="en-US"/>
               <a:t>单击此处编辑母版标题样式</a:t>
             </a:r>
+            <a:endParaRPr lang="zh-CN" altLang="en-US"/>
           </a:p>
         </p:txBody>
       </p:sp>
@@ -2641,6 +2644,7 @@
               <a:rPr lang="zh-CN" altLang="en-US"/>
               <a:t>单击此处编辑母版文本样式</a:t>
             </a:r>
+            <a:endParaRPr lang="zh-CN" altLang="en-US"/>
           </a:p>
           <a:p>
             <a:pPr lvl="1"/>
@@ -2648,6 +2652,7 @@
               <a:rPr lang="zh-CN" altLang="en-US"/>
               <a:t>第二级</a:t>
             </a:r>
+            <a:endParaRPr lang="zh-CN" altLang="en-US"/>
           </a:p>
           <a:p>
             <a:pPr lvl="2"/>
@@ -2655,6 +2660,7 @@
               <a:rPr lang="zh-CN" altLang="en-US"/>
               <a:t>第三级</a:t>
             </a:r>
+            <a:endParaRPr lang="zh-CN" altLang="en-US"/>
           </a:p>
           <a:p>
             <a:pPr lvl="3"/>
@@ -2662,6 +2668,7 @@
               <a:rPr lang="zh-CN" altLang="en-US"/>
               <a:t>第四级</a:t>
             </a:r>
+            <a:endParaRPr lang="zh-CN" altLang="en-US"/>
           </a:p>
           <a:p>
             <a:pPr lvl="4"/>
@@ -2669,6 +2676,7 @@
               <a:rPr lang="zh-CN" altLang="en-US"/>
               <a:t>第五级</a:t>
             </a:r>
+            <a:endParaRPr lang="zh-CN" altLang="en-US"/>
           </a:p>
         </p:txBody>
       </p:sp>
@@ -2734,6 +2742,7 @@
               <a:rPr lang="zh-CN" altLang="en-US"/>
               <a:t>单击此处编辑母版文本样式</a:t>
             </a:r>
+            <a:endParaRPr lang="zh-CN" altLang="en-US"/>
           </a:p>
         </p:txBody>
       </p:sp>
@@ -2754,7 +2763,6 @@
           <a:p>
             <a:fld id="{FC19A4FA-3D9A-4114-B0D5-759CBD56F1AB}" type="datetimeFigureOut">
               <a:rPr lang="zh-CN" altLang="en-US" smtClean="0"/>
-              <a:t>2021/10/7</a:t>
             </a:fld>
             <a:endParaRPr lang="zh-CN" altLang="en-US"/>
           </a:p>
@@ -2796,7 +2804,6 @@
           <a:p>
             <a:fld id="{506F4176-339E-4C4B-80E4-BBE9C4467EFE}" type="slidenum">
               <a:rPr lang="zh-CN" altLang="en-US" smtClean="0"/>
-              <a:t>‹#›</a:t>
             </a:fld>
             <a:endParaRPr lang="zh-CN" altLang="en-US"/>
           </a:p>
@@ -2855,6 +2862,7 @@
               <a:rPr lang="zh-CN" altLang="en-US"/>
               <a:t>单击此处编辑母版标题样式</a:t>
             </a:r>
+            <a:endParaRPr lang="zh-CN" altLang="en-US"/>
           </a:p>
         </p:txBody>
       </p:sp>
@@ -2981,6 +2989,7 @@
               <a:rPr lang="zh-CN" altLang="en-US"/>
               <a:t>单击此处编辑母版文本样式</a:t>
             </a:r>
+            <a:endParaRPr lang="zh-CN" altLang="en-US"/>
           </a:p>
         </p:txBody>
       </p:sp>
@@ -3001,7 +3010,6 @@
           <a:p>
             <a:fld id="{FC19A4FA-3D9A-4114-B0D5-759CBD56F1AB}" type="datetimeFigureOut">
               <a:rPr lang="zh-CN" altLang="en-US" smtClean="0"/>
-              <a:t>2021/10/7</a:t>
             </a:fld>
             <a:endParaRPr lang="zh-CN" altLang="en-US"/>
           </a:p>
@@ -3043,7 +3051,6 @@
           <a:p>
             <a:fld id="{506F4176-339E-4C4B-80E4-BBE9C4467EFE}" type="slidenum">
               <a:rPr lang="zh-CN" altLang="en-US" smtClean="0"/>
-              <a:t>‹#›</a:t>
             </a:fld>
             <a:endParaRPr lang="zh-CN" altLang="en-US"/>
           </a:p>
@@ -3108,6 +3115,7 @@
               <a:rPr lang="zh-CN" altLang="en-US" dirty="0"/>
               <a:t>单击此处编辑母版标题样式</a:t>
             </a:r>
+            <a:endParaRPr lang="zh-CN" altLang="en-US" dirty="0"/>
           </a:p>
         </p:txBody>
       </p:sp>
@@ -3141,6 +3149,7 @@
               <a:rPr lang="zh-CN" altLang="en-US" dirty="0"/>
               <a:t>单击此处编辑母版文本样式</a:t>
             </a:r>
+            <a:endParaRPr lang="zh-CN" altLang="en-US" dirty="0"/>
           </a:p>
           <a:p>
             <a:pPr lvl="1"/>
@@ -3148,6 +3157,7 @@
               <a:rPr lang="zh-CN" altLang="en-US" dirty="0"/>
               <a:t>第二级</a:t>
             </a:r>
+            <a:endParaRPr lang="zh-CN" altLang="en-US" dirty="0"/>
           </a:p>
           <a:p>
             <a:pPr lvl="2"/>
@@ -3155,6 +3165,7 @@
               <a:rPr lang="zh-CN" altLang="en-US" dirty="0"/>
               <a:t>第三级</a:t>
             </a:r>
+            <a:endParaRPr lang="zh-CN" altLang="en-US" dirty="0"/>
           </a:p>
           <a:p>
             <a:pPr lvl="3"/>
@@ -3162,6 +3173,7 @@
               <a:rPr lang="zh-CN" altLang="en-US" dirty="0"/>
               <a:t>第四级</a:t>
             </a:r>
+            <a:endParaRPr lang="zh-CN" altLang="en-US" dirty="0"/>
           </a:p>
           <a:p>
             <a:pPr lvl="4"/>
@@ -3169,6 +3181,7 @@
               <a:rPr lang="zh-CN" altLang="en-US" dirty="0"/>
               <a:t>第五级</a:t>
             </a:r>
+            <a:endParaRPr lang="zh-CN" altLang="en-US" dirty="0"/>
           </a:p>
         </p:txBody>
       </p:sp>
@@ -3207,7 +3220,6 @@
           <a:p>
             <a:fld id="{FC19A4FA-3D9A-4114-B0D5-759CBD56F1AB}" type="datetimeFigureOut">
               <a:rPr lang="zh-CN" altLang="en-US" smtClean="0"/>
-              <a:t>2021/10/7</a:t>
             </a:fld>
             <a:endParaRPr lang="zh-CN" altLang="en-US"/>
           </a:p>
@@ -3285,7 +3297,6 @@
           <a:p>
             <a:fld id="{506F4176-339E-4C4B-80E4-BBE9C4467EFE}" type="slidenum">
               <a:rPr lang="zh-CN" altLang="en-US" smtClean="0"/>
-              <a:t>‹#›</a:t>
             </a:fld>
             <a:endParaRPr lang="zh-CN" altLang="en-US"/>
           </a:p>
@@ -3300,7 +3311,7 @@
           <p:nvPr userDrawn="1"/>
         </p:nvPicPr>
         <p:blipFill>
-          <a:blip r:embed="rId13" cstate="print">
+          <a:blip r:embed="rId12" cstate="print">
             <a:extLst>
               <a:ext uri="{28A0092B-C50C-407E-A947-70E740481C1C}">
                 <a14:useLocalDpi xmlns:a14="http://schemas.microsoft.com/office/drawing/2010/main" val="0"/>
@@ -3834,12 +3845,14 @@
               <a:rPr lang="en-US" altLang="zh-CN"/>
               <a:t>Now gdb is running, you can execute some command on the gdb.</a:t>
             </a:r>
+            <a:endParaRPr lang="en-US" altLang="zh-CN"/>
           </a:p>
           <a:p>
             <a:r>
               <a:rPr lang="en-US" altLang="zh-CN"/>
               <a:t>Using the “run” command to make gdb execute your program</a:t>
             </a:r>
+            <a:endParaRPr lang="en-US" altLang="zh-CN"/>
           </a:p>
         </p:txBody>
       </p:sp>
@@ -3857,12 +3870,12 @@
           <a:graphicData uri="http://schemas.openxmlformats.org/presentationml/2006/ole">
             <mc:AlternateContent xmlns:mc="http://schemas.openxmlformats.org/markup-compatibility/2006">
               <mc:Choice xmlns:v="urn:schemas-microsoft-com:vml" Requires="v">
-                <p:oleObj spid="_x0000_s1042" r:id="rId3" imgW="5836920" imgH="1478280" progId="Paint.Picture">
+                <p:oleObj spid="_x0000_s1042" name="" r:id="rId1" imgW="5836920" imgH="1478280" progId="Paint.Picture">
                   <p:embed/>
                 </p:oleObj>
               </mc:Choice>
               <mc:Fallback>
-                <p:oleObj r:id="rId3" imgW="5836920" imgH="1478280" progId="Paint.Picture">
+                <p:oleObj name="" r:id="rId1" imgW="5836920" imgH="1478280" progId="Paint.Picture">
                   <p:embed/>
                   <p:pic>
                     <p:nvPicPr>
@@ -3871,7 +3884,7 @@
                       <p:nvPr/>
                     </p:nvPicPr>
                     <p:blipFill>
-                      <a:blip r:embed="rId4"/>
+                      <a:blip r:embed="rId2"/>
                       <a:stretch>
                         <a:fillRect/>
                       </a:stretch>
@@ -4016,6 +4029,7 @@
               <a:rPr lang="en-US" altLang="zh-CN"/>
               <a:t>One important feature of gdb is that it can execute to some point of the program, and see the current state of the program.</a:t>
             </a:r>
+            <a:endParaRPr lang="en-US" altLang="zh-CN"/>
           </a:p>
           <a:p>
             <a:pPr>
@@ -4033,6 +4047,7 @@
               <a:rPr lang="en-US" altLang="zh-CN"/>
               <a:t>Suppose we want to insert a “break point” before</a:t>
             </a:r>
+            <a:endParaRPr lang="en-US" altLang="zh-CN"/>
           </a:p>
           <a:p>
             <a:pPr marL="0" indent="0">
@@ -4043,6 +4058,7 @@
               <a:rPr lang="en-US" altLang="zh-CN"/>
               <a:t>   int c = plus(a,b);</a:t>
             </a:r>
+            <a:endParaRPr lang="en-US" altLang="zh-CN"/>
           </a:p>
         </p:txBody>
       </p:sp>
@@ -4072,18 +4088,21 @@
               <a:rPr lang="zh-CN" altLang="en-US"/>
               <a:t>#include&lt;iostream&gt;</a:t>
             </a:r>
+            <a:endParaRPr lang="zh-CN" altLang="en-US"/>
           </a:p>
           <a:p>
             <a:r>
               <a:rPr lang="zh-CN" altLang="en-US"/>
               <a:t>using std::cout;</a:t>
             </a:r>
+            <a:endParaRPr lang="zh-CN" altLang="en-US"/>
           </a:p>
           <a:p>
             <a:r>
               <a:rPr lang="zh-CN" altLang="en-US"/>
               <a:t>using std::endl;</a:t>
             </a:r>
+            <a:endParaRPr lang="zh-CN" altLang="en-US"/>
           </a:p>
           <a:p>
             <a:endParaRPr lang="zh-CN" altLang="en-US"/>
@@ -4093,18 +4112,21 @@
               <a:rPr lang="zh-CN" altLang="en-US"/>
               <a:t>int plus( int a, int b ) {</a:t>
             </a:r>
+            <a:endParaRPr lang="zh-CN" altLang="en-US"/>
           </a:p>
           <a:p>
             <a:r>
               <a:rPr lang="zh-CN" altLang="en-US"/>
               <a:t>	return a + b;</a:t>
             </a:r>
+            <a:endParaRPr lang="zh-CN" altLang="en-US"/>
           </a:p>
           <a:p>
             <a:r>
               <a:rPr lang="zh-CN" altLang="en-US"/>
               <a:t>}</a:t>
             </a:r>
+            <a:endParaRPr lang="zh-CN" altLang="en-US"/>
           </a:p>
           <a:p>
             <a:endParaRPr lang="zh-CN" altLang="en-US"/>
@@ -4114,42 +4136,49 @@
               <a:rPr lang="zh-CN" altLang="en-US"/>
               <a:t>int main() {</a:t>
             </a:r>
+            <a:endParaRPr lang="zh-CN" altLang="en-US"/>
           </a:p>
           <a:p>
             <a:r>
               <a:rPr lang="zh-CN" altLang="en-US"/>
               <a:t>	int a = 1234567890;</a:t>
             </a:r>
+            <a:endParaRPr lang="zh-CN" altLang="en-US"/>
           </a:p>
           <a:p>
             <a:r>
               <a:rPr lang="zh-CN" altLang="en-US"/>
               <a:t>	int b = 1234567890;</a:t>
             </a:r>
+            <a:endParaRPr lang="zh-CN" altLang="en-US"/>
           </a:p>
           <a:p>
             <a:r>
               <a:rPr lang="zh-CN" altLang="en-US"/>
               <a:t>	int c = plus(a, b);</a:t>
             </a:r>
+            <a:endParaRPr lang="zh-CN" altLang="en-US"/>
           </a:p>
           <a:p>
             <a:r>
               <a:rPr lang="zh-CN" altLang="en-US"/>
               <a:t>	cout&lt;&lt;"a + b = "&lt;&lt;c&lt;&lt;endl;</a:t>
             </a:r>
+            <a:endParaRPr lang="zh-CN" altLang="en-US"/>
           </a:p>
           <a:p>
             <a:r>
               <a:rPr lang="zh-CN" altLang="en-US"/>
               <a:t>return 0;</a:t>
             </a:r>
+            <a:endParaRPr lang="zh-CN" altLang="en-US"/>
           </a:p>
           <a:p>
             <a:r>
               <a:rPr lang="zh-CN" altLang="en-US"/>
               <a:t>}</a:t>
             </a:r>
+            <a:endParaRPr lang="zh-CN" altLang="en-US"/>
           </a:p>
         </p:txBody>
       </p:sp>
@@ -4219,12 +4248,14 @@
               <a:rPr lang="en-US" altLang="zh-CN" sz="2400"/>
               <a:t>Insert break point before:</a:t>
             </a:r>
+            <a:endParaRPr lang="en-US" altLang="zh-CN" sz="2400"/>
           </a:p>
           <a:p>
             <a:r>
               <a:rPr lang="en-US" altLang="zh-CN" sz="2400"/>
               <a:t>int c = plus(a,b);</a:t>
             </a:r>
+            <a:endParaRPr lang="en-US" altLang="zh-CN" sz="2400"/>
           </a:p>
         </p:txBody>
       </p:sp>
@@ -4299,18 +4330,21 @@
               <a:rPr lang="en-US" altLang="zh-CN"/>
               <a:t>Press “q” and enter to quit the execution, and rerun “gdb main” to execute gdb on the “main” executable.</a:t>
             </a:r>
+            <a:endParaRPr lang="en-US" altLang="zh-CN"/>
           </a:p>
           <a:p>
             <a:r>
               <a:rPr lang="en-US" altLang="zh-CN"/>
               <a:t>Press “l” and enter to list the line numbers.</a:t>
             </a:r>
+            <a:endParaRPr lang="en-US" altLang="zh-CN"/>
           </a:p>
           <a:p>
             <a:r>
               <a:rPr lang="en-US" altLang="zh-CN"/>
               <a:t>We need to insert a break point at the 12th line.</a:t>
             </a:r>
+            <a:endParaRPr lang="en-US" altLang="zh-CN"/>
           </a:p>
         </p:txBody>
       </p:sp>
@@ -4328,12 +4362,12 @@
           <a:graphicData uri="http://schemas.openxmlformats.org/presentationml/2006/ole">
             <mc:AlternateContent xmlns:mc="http://schemas.openxmlformats.org/markup-compatibility/2006">
               <mc:Choice xmlns:v="urn:schemas-microsoft-com:vml" Requires="v">
-                <p:oleObj spid="_x0000_s2066" r:id="rId3" imgW="5806440" imgH="2689860" progId="Paint.Picture">
+                <p:oleObj spid="_x0000_s2066" name="" r:id="rId1" imgW="5806440" imgH="2689860" progId="Paint.Picture">
                   <p:embed/>
                 </p:oleObj>
               </mc:Choice>
               <mc:Fallback>
-                <p:oleObj r:id="rId3" imgW="5806440" imgH="2689860" progId="Paint.Picture">
+                <p:oleObj name="" r:id="rId1" imgW="5806440" imgH="2689860" progId="Paint.Picture">
                   <p:embed/>
                   <p:pic>
                     <p:nvPicPr>
@@ -4342,7 +4376,7 @@
                       <p:nvPr/>
                     </p:nvPicPr>
                     <p:blipFill>
-                      <a:blip r:embed="rId4"/>
+                      <a:blip r:embed="rId2"/>
                       <a:stretch>
                         <a:fillRect/>
                       </a:stretch>
@@ -4478,6 +4512,7 @@
               <a:rPr lang="en-US" altLang="zh-CN"/>
               <a:t>Set a break point at the 12th line with:</a:t>
             </a:r>
+            <a:endParaRPr lang="en-US" altLang="zh-CN"/>
           </a:p>
           <a:p>
             <a:pPr marL="0" indent="0">
@@ -4487,12 +4522,14 @@
               <a:rPr lang="en-US" altLang="zh-CN"/>
               <a:t>   break 12</a:t>
             </a:r>
+            <a:endParaRPr lang="en-US" altLang="zh-CN"/>
           </a:p>
           <a:p>
             <a:r>
               <a:rPr lang="en-US" altLang="zh-CN"/>
               <a:t>See the output:</a:t>
             </a:r>
+            <a:endParaRPr lang="en-US" altLang="zh-CN"/>
           </a:p>
         </p:txBody>
       </p:sp>
@@ -4510,12 +4547,12 @@
           <a:graphicData uri="http://schemas.openxmlformats.org/presentationml/2006/ole">
             <mc:AlternateContent xmlns:mc="http://schemas.openxmlformats.org/markup-compatibility/2006">
               <mc:Choice xmlns:v="urn:schemas-microsoft-com:vml" Requires="v">
-                <p:oleObj spid="_x0000_s3090" r:id="rId3" imgW="4427220" imgH="937260" progId="Paint.Picture">
+                <p:oleObj spid="_x0000_s3090" name="" r:id="rId1" imgW="4427220" imgH="937260" progId="Paint.Picture">
                   <p:embed/>
                 </p:oleObj>
               </mc:Choice>
               <mc:Fallback>
-                <p:oleObj r:id="rId3" imgW="4427220" imgH="937260" progId="Paint.Picture">
+                <p:oleObj name="" r:id="rId1" imgW="4427220" imgH="937260" progId="Paint.Picture">
                   <p:embed/>
                   <p:pic>
                     <p:nvPicPr>
@@ -4524,7 +4561,7 @@
                       <p:nvPr/>
                     </p:nvPicPr>
                     <p:blipFill>
-                      <a:blip r:embed="rId4"/>
+                      <a:blip r:embed="rId2"/>
                       <a:stretch>
                         <a:fillRect/>
                       </a:stretch>
@@ -4614,18 +4651,21 @@
               <a:rPr lang="en-US" altLang="zh-CN" dirty="0"/>
               <a:t>Print current state of variables, for example, print variable a:</a:t>
             </a:r>
+            <a:endParaRPr lang="en-US" altLang="zh-CN" dirty="0"/>
           </a:p>
           <a:p>
             <a:r>
               <a:rPr lang="en-US" altLang="zh-CN" dirty="0"/>
               <a:t>print a</a:t>
             </a:r>
+            <a:endParaRPr lang="en-US" altLang="zh-CN" dirty="0"/>
           </a:p>
           <a:p>
             <a:r>
               <a:rPr lang="en-US" altLang="zh-CN" dirty="0"/>
               <a:t>See the output:</a:t>
             </a:r>
+            <a:endParaRPr lang="en-US" altLang="zh-CN" dirty="0"/>
           </a:p>
           <a:p>
             <a:endParaRPr lang="en-US" altLang="zh-CN" dirty="0"/>
@@ -4644,6 +4684,7 @@
               <a:rPr lang="en-US" altLang="zh-CN" dirty="0"/>
               <a:t>Because we haven’t run anything yet.</a:t>
             </a:r>
+            <a:endParaRPr lang="en-US" altLang="zh-CN" dirty="0"/>
           </a:p>
         </p:txBody>
       </p:sp>
@@ -4661,12 +4702,12 @@
           <a:graphicData uri="http://schemas.openxmlformats.org/presentationml/2006/ole">
             <mc:AlternateContent xmlns:mc="http://schemas.openxmlformats.org/markup-compatibility/2006">
               <mc:Choice xmlns:v="urn:schemas-microsoft-com:vml" Requires="v">
-                <p:oleObj spid="_x0000_s4114" r:id="rId3" imgW="4366260" imgH="1409700" progId="Paint.Picture">
+                <p:oleObj spid="_x0000_s4114" name="" r:id="rId1" imgW="4366260" imgH="1409700" progId="Paint.Picture">
                   <p:embed/>
                 </p:oleObj>
               </mc:Choice>
               <mc:Fallback>
-                <p:oleObj r:id="rId3" imgW="4366260" imgH="1409700" progId="Paint.Picture">
+                <p:oleObj name="" r:id="rId1" imgW="4366260" imgH="1409700" progId="Paint.Picture">
                   <p:embed/>
                   <p:pic>
                     <p:nvPicPr>
@@ -4675,7 +4716,7 @@
                       <p:nvPr/>
                     </p:nvPicPr>
                     <p:blipFill>
-                      <a:blip r:embed="rId4"/>
+                      <a:blip r:embed="rId2"/>
                       <a:stretch>
                         <a:fillRect/>
                       </a:stretch>
@@ -4767,6 +4808,7 @@
               <a:rPr lang="en-US" altLang="zh-CN"/>
               <a:t>Now let’s “execute” run and “print a” again.</a:t>
             </a:r>
+            <a:endParaRPr lang="en-US" altLang="zh-CN"/>
           </a:p>
         </p:txBody>
       </p:sp>
@@ -4784,12 +4826,12 @@
           <a:graphicData uri="http://schemas.openxmlformats.org/presentationml/2006/ole">
             <mc:AlternateContent xmlns:mc="http://schemas.openxmlformats.org/markup-compatibility/2006">
               <mc:Choice xmlns:v="urn:schemas-microsoft-com:vml" Requires="v">
-                <p:oleObj spid="_x0000_s5138" r:id="rId3" imgW="3413760" imgH="1440180" progId="Paint.Picture">
+                <p:oleObj spid="_x0000_s5138" name="" r:id="rId1" imgW="3413760" imgH="1440180" progId="Paint.Picture">
                   <p:embed/>
                 </p:oleObj>
               </mc:Choice>
               <mc:Fallback>
-                <p:oleObj r:id="rId3" imgW="3413760" imgH="1440180" progId="Paint.Picture">
+                <p:oleObj name="" r:id="rId1" imgW="3413760" imgH="1440180" progId="Paint.Picture">
                   <p:embed/>
                   <p:pic>
                     <p:nvPicPr>
@@ -4798,7 +4840,7 @@
                       <p:nvPr/>
                     </p:nvPicPr>
                     <p:blipFill>
-                      <a:blip r:embed="rId4"/>
+                      <a:blip r:embed="rId2"/>
                       <a:stretch>
                         <a:fillRect/>
                       </a:stretch>
@@ -4890,18 +4932,21 @@
               <a:rPr lang="en-US" altLang="zh-CN"/>
               <a:t>Two information we can get from here:</a:t>
             </a:r>
+            <a:endParaRPr lang="en-US" altLang="zh-CN"/>
           </a:p>
           <a:p>
             <a:r>
               <a:rPr lang="en-US" altLang="zh-CN"/>
               <a:t>The run command will stop at the position of the break point as line 12.</a:t>
             </a:r>
+            <a:endParaRPr lang="en-US" altLang="zh-CN"/>
           </a:p>
           <a:p>
             <a:r>
               <a:rPr lang="en-US" altLang="zh-CN"/>
               <a:t>The print command prints the variable “a” successfully.</a:t>
             </a:r>
+            <a:endParaRPr lang="en-US" altLang="zh-CN"/>
           </a:p>
         </p:txBody>
       </p:sp>
@@ -4919,12 +4964,12 @@
           <a:graphicData uri="http://schemas.openxmlformats.org/presentationml/2006/ole">
             <mc:AlternateContent xmlns:mc="http://schemas.openxmlformats.org/markup-compatibility/2006">
               <mc:Choice xmlns:v="urn:schemas-microsoft-com:vml" Requires="v">
-                <p:oleObj spid="_x0000_s6162" r:id="rId3" imgW="3413760" imgH="1440180" progId="Paint.Picture">
+                <p:oleObj spid="_x0000_s6162" name="" r:id="rId1" imgW="3413760" imgH="1440180" progId="Paint.Picture">
                   <p:embed/>
                 </p:oleObj>
               </mc:Choice>
               <mc:Fallback>
-                <p:oleObj r:id="rId3" imgW="3413760" imgH="1440180" progId="Paint.Picture">
+                <p:oleObj name="" r:id="rId1" imgW="3413760" imgH="1440180" progId="Paint.Picture">
                   <p:embed/>
                   <p:pic>
                     <p:nvPicPr>
@@ -4933,7 +4978,7 @@
                       <p:nvPr/>
                     </p:nvPicPr>
                     <p:blipFill>
-                      <a:blip r:embed="rId4"/>
+                      <a:blip r:embed="rId2"/>
                       <a:stretch>
                         <a:fillRect/>
                       </a:stretch>
@@ -5023,6 +5068,7 @@
               <a:rPr lang="en-US" altLang="zh-CN"/>
               <a:t>Using “info locals” to show all the variables in the current stack:</a:t>
             </a:r>
+            <a:endParaRPr lang="en-US" altLang="zh-CN"/>
           </a:p>
           <a:p>
             <a:endParaRPr lang="en-US" altLang="zh-CN"/>
@@ -5041,6 +5087,7 @@
               <a:rPr lang="en-US" altLang="zh-CN"/>
               <a:t>And use “bt” to print the function stack:</a:t>
             </a:r>
+            <a:endParaRPr lang="en-US" altLang="zh-CN"/>
           </a:p>
         </p:txBody>
       </p:sp>
@@ -5053,7 +5100,7 @@
           <p:nvPr/>
         </p:nvPicPr>
         <p:blipFill>
-          <a:blip r:embed="rId2"/>
+          <a:blip r:embed="rId1"/>
           <a:stretch>
             <a:fillRect/>
           </a:stretch>
@@ -5077,7 +5124,7 @@
           <p:nvPr/>
         </p:nvPicPr>
         <p:blipFill>
-          <a:blip r:embed="rId3"/>
+          <a:blip r:embed="rId2"/>
           <a:stretch>
             <a:fillRect/>
           </a:stretch>
@@ -5161,12 +5208,14 @@
               <a:rPr lang="en-US" altLang="zh-CN"/>
               <a:t>Now that our program is waiting here.</a:t>
             </a:r>
+            <a:endParaRPr lang="en-US" altLang="zh-CN"/>
           </a:p>
           <a:p>
             <a:r>
               <a:rPr lang="en-US" altLang="zh-CN"/>
               <a:t>We can use “continue” command to make the program continue to run.</a:t>
             </a:r>
+            <a:endParaRPr lang="en-US" altLang="zh-CN"/>
           </a:p>
         </p:txBody>
       </p:sp>
@@ -5179,7 +5228,7 @@
           <p:nvPr/>
         </p:nvPicPr>
         <p:blipFill>
-          <a:blip r:embed="rId2"/>
+          <a:blip r:embed="rId1"/>
           <a:stretch>
             <a:fillRect/>
           </a:stretch>
@@ -5265,12 +5314,14 @@
               <a:rPr lang="en-US" altLang="zh-CN"/>
               <a:t>You may need to refer to the GNU document for more detail:</a:t>
             </a:r>
+            <a:endParaRPr lang="en-US" altLang="zh-CN"/>
           </a:p>
           <a:p>
             <a:r>
               <a:rPr lang="en-US" altLang="zh-CN"/>
               <a:t>https://www.gnu.org/software/gdb/documentation/</a:t>
             </a:r>
+            <a:endParaRPr lang="en-US" altLang="zh-CN"/>
           </a:p>
           <a:p>
             <a:endParaRPr lang="en-US" altLang="zh-CN"/>
@@ -5280,6 +5331,7 @@
               <a:rPr lang="en-US" altLang="zh-CN"/>
               <a:t>Or if you could search for a beginner tutorial.</a:t>
             </a:r>
+            <a:endParaRPr lang="en-US" altLang="zh-CN"/>
           </a:p>
         </p:txBody>
       </p:sp>
@@ -5336,6 +5388,13 @@
               </a:rPr>
               <a:t>Pointers and Dynamic Memory</a:t>
             </a:r>
+            <a:endParaRPr lang="en-US" altLang="zh-CN" b="1" i="0" dirty="0">
+              <a:solidFill>
+                <a:srgbClr val="24292F"/>
+              </a:solidFill>
+              <a:effectLst/>
+              <a:latin typeface="-apple-system"/>
+            </a:endParaRPr>
           </a:p>
         </p:txBody>
       </p:sp>
@@ -5364,6 +5423,9 @@
               </a:rPr>
               <a:t>Pointers</a:t>
             </a:r>
+            <a:endParaRPr lang="en-US" altLang="zh-CN" dirty="0">
+              <a:sym typeface="+mn-ea"/>
+            </a:endParaRPr>
           </a:p>
           <a:p>
             <a:pPr marL="285750" indent="-285750">
@@ -5376,6 +5438,9 @@
               </a:rPr>
               <a:t>Dynamic Memory</a:t>
             </a:r>
+            <a:endParaRPr lang="en-US" altLang="zh-CN" dirty="0">
+              <a:sym typeface="+mn-ea"/>
+            </a:endParaRPr>
           </a:p>
           <a:p>
             <a:pPr marL="285750" indent="-285750">
@@ -5388,6 +5453,9 @@
               </a:rPr>
               <a:t>Debugging with gdb</a:t>
             </a:r>
+            <a:endParaRPr lang="en-US" altLang="zh-CN" dirty="0">
+              <a:sym typeface="+mn-ea"/>
+            </a:endParaRPr>
           </a:p>
           <a:p>
             <a:pPr marL="285750" indent="-285750">
@@ -5398,6 +5466,7 @@
               <a:rPr lang="en-US" altLang="zh-CN" dirty="0"/>
               <a:t>Debugging with vscode</a:t>
             </a:r>
+            <a:endParaRPr lang="en-US" altLang="zh-CN" dirty="0"/>
           </a:p>
         </p:txBody>
       </p:sp>
@@ -5470,6 +5539,7 @@
               <a:rPr lang="en-US" altLang="zh-CN"/>
               <a:t>After you know how to use gdb in a command line, you may want to use vscode to do the debugging.</a:t>
             </a:r>
+            <a:endParaRPr lang="en-US" altLang="zh-CN"/>
           </a:p>
           <a:p>
             <a:endParaRPr lang="en-US" altLang="zh-CN"/>
@@ -5479,12 +5549,14 @@
               <a:rPr lang="en-US" altLang="zh-CN"/>
               <a:t>From the directory of your C/C++ codes, run “code .” to start vscode.</a:t>
             </a:r>
+            <a:endParaRPr lang="en-US" altLang="zh-CN"/>
           </a:p>
           <a:p>
             <a:r>
               <a:rPr lang="en-US" altLang="zh-CN"/>
               <a:t>You probably have already installed the C/C++ extension, if not, install it:</a:t>
             </a:r>
+            <a:endParaRPr lang="en-US" altLang="zh-CN"/>
           </a:p>
         </p:txBody>
       </p:sp>
@@ -5497,7 +5569,7 @@
           <p:nvPr/>
         </p:nvPicPr>
         <p:blipFill>
-          <a:blip r:embed="rId2"/>
+          <a:blip r:embed="rId1"/>
           <a:stretch>
             <a:fillRect/>
           </a:stretch>
@@ -5583,6 +5655,7 @@
               <a:rPr lang="en-US" altLang="zh-CN"/>
               <a:t>Not when you click on the left, you can easily set break points.</a:t>
             </a:r>
+            <a:endParaRPr lang="en-US" altLang="zh-CN"/>
           </a:p>
           <a:p>
             <a:endParaRPr lang="en-US" altLang="zh-CN"/>
@@ -5592,6 +5665,7 @@
               <a:rPr lang="en-US" altLang="zh-CN"/>
               <a:t>You can remove a break point by</a:t>
             </a:r>
+            <a:endParaRPr lang="en-US" altLang="zh-CN"/>
           </a:p>
           <a:p>
             <a:pPr marL="0" indent="0">
@@ -5601,6 +5675,7 @@
               <a:rPr lang="en-US" altLang="zh-CN"/>
               <a:t>   clicking again.</a:t>
             </a:r>
+            <a:endParaRPr lang="en-US" altLang="zh-CN"/>
           </a:p>
         </p:txBody>
       </p:sp>
@@ -5613,7 +5688,7 @@
           <p:nvPr/>
         </p:nvPicPr>
         <p:blipFill>
-          <a:blip r:embed="rId2"/>
+          <a:blip r:embed="rId1"/>
           <a:stretch>
             <a:fillRect/>
           </a:stretch>
@@ -5697,12 +5772,14 @@
               <a:rPr lang="en-US" altLang="zh-CN"/>
               <a:t>Now click the “run and debug” to debug the program.</a:t>
             </a:r>
+            <a:endParaRPr lang="en-US" altLang="zh-CN"/>
           </a:p>
           <a:p>
             <a:r>
               <a:rPr lang="en-US" altLang="zh-CN"/>
               <a:t>Everything will run automatically.</a:t>
             </a:r>
+            <a:endParaRPr lang="en-US" altLang="zh-CN"/>
           </a:p>
         </p:txBody>
       </p:sp>
@@ -5720,12 +5797,12 @@
           <a:graphicData uri="http://schemas.openxmlformats.org/presentationml/2006/ole">
             <mc:AlternateContent xmlns:mc="http://schemas.openxmlformats.org/markup-compatibility/2006">
               <mc:Choice xmlns:v="urn:schemas-microsoft-com:vml" Requires="v">
-                <p:oleObj spid="_x0000_s7186" r:id="rId3" imgW="2887980" imgH="3048000" progId="Paint.Picture">
+                <p:oleObj spid="_x0000_s7186" name="" r:id="rId1" imgW="2887980" imgH="3048000" progId="Paint.Picture">
                   <p:embed/>
                 </p:oleObj>
               </mc:Choice>
               <mc:Fallback>
-                <p:oleObj r:id="rId3" imgW="2887980" imgH="3048000" progId="Paint.Picture">
+                <p:oleObj name="" r:id="rId1" imgW="2887980" imgH="3048000" progId="Paint.Picture">
                   <p:embed/>
                   <p:pic>
                     <p:nvPicPr>
@@ -5734,7 +5811,7 @@
                       <p:nvPr/>
                     </p:nvPicPr>
                     <p:blipFill>
-                      <a:blip r:embed="rId4"/>
+                      <a:blip r:embed="rId2"/>
                       <a:stretch>
                         <a:fillRect/>
                       </a:stretch>
@@ -5757,13 +5834,7 @@
       </p:graphicFrame>
       <p:grpSp>
         <p:nvGrpSpPr>
-          <p:cNvPr id="5" name="组合 4">
-            <a:extLst>
-              <a:ext uri="{FF2B5EF4-FFF2-40B4-BE49-F238E27FC236}">
-                <a16:creationId xmlns:a16="http://schemas.microsoft.com/office/drawing/2014/main" id="{587FE094-D05A-4C01-A736-8D4824A7B9AB}"/>
-              </a:ext>
-            </a:extLst>
-          </p:cNvPr>
+          <p:cNvPr id="5" name="组合 4"/>
           <p:cNvGrpSpPr/>
           <p:nvPr/>
         </p:nvGrpSpPr>
@@ -5784,7 +5855,7 @@
             <p:nvPr/>
           </p:nvPicPr>
           <p:blipFill>
-            <a:blip r:embed="rId5"/>
+            <a:blip r:embed="rId3"/>
             <a:stretch>
               <a:fillRect/>
             </a:stretch>
@@ -5848,13 +5919,7 @@
       </p:grpSp>
       <p:grpSp>
         <p:nvGrpSpPr>
-          <p:cNvPr id="7" name="组合 6">
-            <a:extLst>
-              <a:ext uri="{FF2B5EF4-FFF2-40B4-BE49-F238E27FC236}">
-                <a16:creationId xmlns:a16="http://schemas.microsoft.com/office/drawing/2014/main" id="{58CA950B-8FC1-415B-B7E7-13C377A4AB41}"/>
-              </a:ext>
-            </a:extLst>
-          </p:cNvPr>
+          <p:cNvPr id="7" name="组合 6"/>
           <p:cNvGrpSpPr/>
           <p:nvPr/>
         </p:nvGrpSpPr>
@@ -5875,7 +5940,7 @@
             <p:nvPr/>
           </p:nvPicPr>
           <p:blipFill>
-            <a:blip r:embed="rId6"/>
+            <a:blip r:embed="rId4"/>
             <a:stretch>
               <a:fillRect/>
             </a:stretch>
@@ -5939,13 +6004,7 @@
       </p:grpSp>
       <p:grpSp>
         <p:nvGrpSpPr>
-          <p:cNvPr id="9" name="组合 8">
-            <a:extLst>
-              <a:ext uri="{FF2B5EF4-FFF2-40B4-BE49-F238E27FC236}">
-                <a16:creationId xmlns:a16="http://schemas.microsoft.com/office/drawing/2014/main" id="{B99616AE-BBB5-44B8-8E4B-BE8402BDCEF7}"/>
-              </a:ext>
-            </a:extLst>
-          </p:cNvPr>
+          <p:cNvPr id="9" name="组合 8"/>
           <p:cNvGrpSpPr/>
           <p:nvPr/>
         </p:nvGrpSpPr>
@@ -5966,7 +6025,7 @@
             <p:nvPr/>
           </p:nvPicPr>
           <p:blipFill>
-            <a:blip r:embed="rId7"/>
+            <a:blip r:embed="rId5"/>
             <a:stretch>
               <a:fillRect/>
             </a:stretch>
@@ -6301,11 +6360,6 @@
           </p:cNvGraphicFramePr>
           <p:nvPr>
             <p:ph idx="1"/>
-            <p:extLst>
-              <p:ext uri="{D42A27DB-BD31-4B8C-83A1-F6EECF244321}">
-                <p14:modId xmlns:p14="http://schemas.microsoft.com/office/powerpoint/2010/main" val="2995997422"/>
-              </p:ext>
-            </p:extLst>
           </p:nvPr>
         </p:nvGraphicFramePr>
         <p:xfrm>
@@ -6316,12 +6370,12 @@
           <a:graphicData uri="http://schemas.openxmlformats.org/presentationml/2006/ole">
             <mc:AlternateContent xmlns:mc="http://schemas.openxmlformats.org/markup-compatibility/2006">
               <mc:Choice xmlns:v="urn:schemas-microsoft-com:vml" Requires="v">
-                <p:oleObj spid="_x0000_s8210" r:id="rId3" imgW="7772400" imgH="5768340" progId="Paint.Picture">
+                <p:oleObj spid="_x0000_s8210" name="" r:id="rId1" imgW="7772400" imgH="5768340" progId="Paint.Picture">
                   <p:embed/>
                 </p:oleObj>
               </mc:Choice>
               <mc:Fallback>
-                <p:oleObj r:id="rId3" imgW="7772400" imgH="5768340" progId="Paint.Picture">
+                <p:oleObj name="" r:id="rId1" imgW="7772400" imgH="5768340" progId="Paint.Picture">
                   <p:embed/>
                   <p:pic>
                     <p:nvPicPr>
@@ -6330,7 +6384,7 @@
                       <p:nvPr/>
                     </p:nvPicPr>
                     <p:blipFill>
-                      <a:blip r:embed="rId4"/>
+                      <a:blip r:embed="rId2"/>
                       <a:stretch>
                         <a:fillRect/>
                       </a:stretch>
@@ -6353,13 +6407,7 @@
       </p:graphicFrame>
       <p:sp>
         <p:nvSpPr>
-          <p:cNvPr id="5" name="文本框 4">
-            <a:extLst>
-              <a:ext uri="{FF2B5EF4-FFF2-40B4-BE49-F238E27FC236}">
-                <a16:creationId xmlns:a16="http://schemas.microsoft.com/office/drawing/2014/main" id="{D3F35940-6DE3-4357-9A1E-4CC33D3F4D82}"/>
-              </a:ext>
-            </a:extLst>
-          </p:cNvPr>
+          <p:cNvPr id="5" name="文本框 4"/>
           <p:cNvSpPr txBox="1"/>
           <p:nvPr/>
         </p:nvSpPr>
@@ -6383,6 +6431,7 @@
               <a:rPr lang="zh-CN" altLang="en-US" dirty="0"/>
               <a:t>https://code.visualstudio.com/Docs/editor/debugging</a:t>
             </a:r>
+            <a:endParaRPr lang="zh-CN" altLang="en-US" dirty="0"/>
           </a:p>
         </p:txBody>
       </p:sp>
@@ -6451,7 +6500,7 @@
           <a:bodyPr/>
           <a:lstStyle/>
           <a:p>
-            <a:pPr marL="109537" lvl="1" indent="0">
+            <a:pPr marL="109220" lvl="1" indent="0">
               <a:spcBef>
                 <a:spcPts val="1200"/>
               </a:spcBef>
@@ -6470,34 +6519,37 @@
               <a:rPr lang="en-US" altLang="zh-CN" sz="2800" dirty="0"/>
               <a:t> to allocate the array dynamically of five integers. </a:t>
             </a:r>
-          </a:p>
-          <a:p>
-            <a:pPr marL="452437" lvl="1" indent="-342900">
+            <a:endParaRPr lang="en-US" altLang="zh-CN" sz="2800" dirty="0"/>
+          </a:p>
+          <a:p>
+            <a:pPr marL="452120" lvl="1" indent="-342900">
               <a:spcBef>
                 <a:spcPts val="1200"/>
               </a:spcBef>
               <a:buSzPct val="68000"/>
-              <a:buFont typeface="Wingdings" pitchFamily="2" charset="2"/>
+              <a:buFont typeface="Wingdings" panose="05000000000000000000" pitchFamily="2" charset="2"/>
               <a:buChar char="l"/>
             </a:pPr>
             <a:r>
               <a:rPr lang="en-US" altLang="zh-CN" sz="2800" dirty="0"/>
               <a:t>The five values will be stored in an array using a pointer.</a:t>
             </a:r>
-          </a:p>
-          <a:p>
-            <a:pPr marL="452437" lvl="1" indent="-342900">
+            <a:endParaRPr lang="en-US" altLang="zh-CN" sz="2800" dirty="0"/>
+          </a:p>
+          <a:p>
+            <a:pPr marL="452120" lvl="1" indent="-342900">
               <a:spcBef>
                 <a:spcPts val="1200"/>
               </a:spcBef>
               <a:buSzPct val="68000"/>
-              <a:buFont typeface="Wingdings" pitchFamily="2" charset="2"/>
+              <a:buFont typeface="Wingdings" panose="05000000000000000000" pitchFamily="2" charset="2"/>
               <a:buChar char="l"/>
             </a:pPr>
             <a:r>
               <a:rPr lang="en-US" altLang="zh-CN" sz="2800" dirty="0"/>
               <a:t>Print the elements of the array in reverse order using a pointer.</a:t>
             </a:r>
+            <a:endParaRPr lang="en-US" altLang="zh-CN" sz="2800" dirty="0"/>
           </a:p>
           <a:p>
             <a:endParaRPr lang="zh-CN" altLang="en-US" dirty="0"/>
@@ -6556,13 +6608,7 @@
       </p:sp>
       <p:sp>
         <p:nvSpPr>
-          <p:cNvPr id="5" name="文本框 4">
-            <a:extLst>
-              <a:ext uri="{FF2B5EF4-FFF2-40B4-BE49-F238E27FC236}">
-                <a16:creationId xmlns:a16="http://schemas.microsoft.com/office/drawing/2014/main" id="{093970CB-C59C-4BB8-8CF6-A570B817B471}"/>
-              </a:ext>
-            </a:extLst>
-          </p:cNvPr>
+          <p:cNvPr id="5" name="文本框 4"/>
           <p:cNvSpPr txBox="1"/>
           <p:nvPr/>
         </p:nvSpPr>
@@ -6596,7 +6642,6 @@
               <a:buSzTx/>
               <a:buFontTx/>
               <a:buNone/>
-              <a:tabLst/>
               <a:defRPr/>
             </a:pPr>
             <a:r>
@@ -6611,20 +6656,29 @@
                 <a:uLnTx/>
                 <a:uFillTx/>
                 <a:latin typeface="-apple-system"/>
-                <a:ea typeface="宋体" panose="02010600030101010101" pitchFamily="2" charset="-122"/>
+                <a:ea typeface="SimSun" panose="02010600030101010101" pitchFamily="2" charset="-122"/>
                 <a:cs typeface="+mn-cs"/>
               </a:rPr>
               <a:t>Allocate memory for an array of characters, modify elements by integer values one by one, then print out the result as a string. Please try to modify the element out of range and see what will happen.</a:t>
             </a:r>
+            <a:endParaRPr kumimoji="0" lang="en-US" altLang="zh-CN" sz="2400" b="0" i="0" u="none" strike="noStrike" kern="1200" cap="none" spc="0" normalizeH="0" baseline="0" noProof="0" dirty="0">
+              <a:ln>
+                <a:noFill/>
+              </a:ln>
+              <a:solidFill>
+                <a:srgbClr val="24292F"/>
+              </a:solidFill>
+              <a:effectLst/>
+              <a:uLnTx/>
+              <a:uFillTx/>
+              <a:latin typeface="-apple-system"/>
+              <a:ea typeface="SimSun" panose="02010600030101010101" pitchFamily="2" charset="-122"/>
+              <a:cs typeface="+mn-cs"/>
+            </a:endParaRPr>
           </a:p>
         </p:txBody>
       </p:sp>
     </p:spTree>
-    <p:extLst>
-      <p:ext uri="{BB962C8B-B14F-4D97-AF65-F5344CB8AC3E}">
-        <p14:creationId xmlns:p14="http://schemas.microsoft.com/office/powerpoint/2010/main" val="1899357392"/>
-      </p:ext>
-    </p:extLst>
   </p:cSld>
   <p:clrMapOvr>
     <a:masterClrMapping/>
@@ -6714,6 +6768,7 @@
               <a:rPr lang="en-US" altLang="zh-CN" dirty="0"/>
               <a:t>Exercise 3</a:t>
             </a:r>
+            <a:endParaRPr lang="en-US" altLang="zh-CN" dirty="0"/>
           </a:p>
         </p:txBody>
       </p:sp>
@@ -6744,6 +6799,7 @@
               <a:rPr lang="en-US" altLang="zh-CN"/>
               <a:t> to debug the following program:</a:t>
             </a:r>
+            <a:endParaRPr lang="en-US" altLang="zh-CN"/>
           </a:p>
         </p:txBody>
       </p:sp>
@@ -6773,18 +6829,21 @@
               <a:rPr lang="zh-CN" altLang="en-US" dirty="0"/>
               <a:t>#include&lt;iostream&gt;</a:t>
             </a:r>
+            <a:endParaRPr lang="zh-CN" altLang="en-US" dirty="0"/>
           </a:p>
           <a:p>
             <a:r>
               <a:rPr lang="zh-CN" altLang="en-US" dirty="0"/>
               <a:t>using std::cout;</a:t>
             </a:r>
+            <a:endParaRPr lang="zh-CN" altLang="en-US" dirty="0"/>
           </a:p>
           <a:p>
             <a:r>
               <a:rPr lang="zh-CN" altLang="en-US" dirty="0"/>
               <a:t>using std::endl;</a:t>
             </a:r>
+            <a:endParaRPr lang="zh-CN" altLang="en-US" dirty="0"/>
           </a:p>
           <a:p>
             <a:endParaRPr lang="zh-CN" altLang="en-US" dirty="0"/>
@@ -6794,30 +6853,35 @@
               <a:rPr lang="zh-CN" altLang="en-US" dirty="0"/>
               <a:t>// naive approach to see if num is a prime number</a:t>
             </a:r>
+            <a:endParaRPr lang="zh-CN" altLang="en-US" dirty="0"/>
           </a:p>
           <a:p>
             <a:r>
               <a:rPr lang="zh-CN" altLang="en-US" dirty="0"/>
               <a:t>bool isPrime( int num ) {</a:t>
             </a:r>
+            <a:endParaRPr lang="zh-CN" altLang="en-US" dirty="0"/>
           </a:p>
           <a:p>
             <a:r>
               <a:rPr lang="zh-CN" altLang="en-US" dirty="0"/>
               <a:t>	for( int i = 1; i &lt;= num; ++ i )</a:t>
             </a:r>
+            <a:endParaRPr lang="zh-CN" altLang="en-US" dirty="0"/>
           </a:p>
           <a:p>
             <a:r>
               <a:rPr lang="zh-CN" altLang="en-US" dirty="0"/>
               <a:t>		if( num % i == 0 )</a:t>
             </a:r>
+            <a:endParaRPr lang="zh-CN" altLang="en-US" dirty="0"/>
           </a:p>
           <a:p>
             <a:r>
               <a:rPr lang="zh-CN" altLang="en-US" dirty="0"/>
               <a:t>			return false;</a:t>
             </a:r>
+            <a:endParaRPr lang="zh-CN" altLang="en-US" dirty="0"/>
           </a:p>
           <a:p>
             <a:r>
@@ -6832,12 +6896,14 @@
               <a:rPr lang="zh-CN" altLang="en-US" dirty="0"/>
               <a:t>;</a:t>
             </a:r>
+            <a:endParaRPr lang="zh-CN" altLang="en-US" dirty="0"/>
           </a:p>
           <a:p>
             <a:r>
               <a:rPr lang="zh-CN" altLang="en-US" dirty="0"/>
               <a:t>}</a:t>
             </a:r>
+            <a:endParaRPr lang="zh-CN" altLang="en-US" dirty="0"/>
           </a:p>
           <a:p>
             <a:endParaRPr lang="zh-CN" altLang="en-US" dirty="0"/>
@@ -6847,30 +6913,35 @@
               <a:rPr lang="zh-CN" altLang="en-US" dirty="0"/>
               <a:t>int main() {</a:t>
             </a:r>
+            <a:endParaRPr lang="zh-CN" altLang="en-US" dirty="0"/>
           </a:p>
           <a:p>
             <a:r>
               <a:rPr lang="zh-CN" altLang="en-US" dirty="0"/>
               <a:t>	int a = 23;</a:t>
             </a:r>
+            <a:endParaRPr lang="zh-CN" altLang="en-US" dirty="0"/>
           </a:p>
           <a:p>
             <a:r>
               <a:rPr lang="zh-CN" altLang="en-US" dirty="0"/>
               <a:t>	cout&lt;&lt;isPrime(a)&lt;&lt;endl;</a:t>
             </a:r>
+            <a:endParaRPr lang="zh-CN" altLang="en-US" dirty="0"/>
           </a:p>
           <a:p>
             <a:r>
               <a:rPr lang="zh-CN" altLang="en-US" dirty="0"/>
               <a:t>return 0;</a:t>
             </a:r>
+            <a:endParaRPr lang="zh-CN" altLang="en-US" dirty="0"/>
           </a:p>
           <a:p>
             <a:r>
               <a:rPr lang="zh-CN" altLang="en-US" dirty="0"/>
               <a:t>}</a:t>
             </a:r>
+            <a:endParaRPr lang="zh-CN" altLang="en-US" dirty="0"/>
           </a:p>
         </p:txBody>
       </p:sp>
@@ -6901,20 +6972,14 @@
       </p:grpSpPr>
       <p:sp>
         <p:nvSpPr>
-          <p:cNvPr id="21" name="TextBox 3">
-            <a:extLst>
-              <a:ext uri="{FF2B5EF4-FFF2-40B4-BE49-F238E27FC236}">
-                <a16:creationId xmlns:a16="http://schemas.microsoft.com/office/drawing/2014/main" id="{6FD0DF24-6670-49A5-9D88-43EA0F800D8B}"/>
-              </a:ext>
-            </a:extLst>
-          </p:cNvPr>
+          <p:cNvPr id="21" name="TextBox 3"/>
           <p:cNvSpPr txBox="1"/>
           <p:nvPr/>
         </p:nvSpPr>
         <p:spPr>
           <a:xfrm>
-            <a:off x="1314593" y="1011586"/>
-            <a:ext cx="7876056" cy="461665"/>
+            <a:off x="1314450" y="1011555"/>
+            <a:ext cx="9307830" cy="460375"/>
           </a:xfrm>
           <a:prstGeom prst="rect">
             <a:avLst/>
@@ -6941,7 +7006,6 @@
               <a:buSzTx/>
               <a:buFontTx/>
               <a:buNone/>
-              <a:tabLst/>
               <a:defRPr/>
             </a:pPr>
             <a:r>
@@ -6956,7 +7020,7 @@
                 <a:uLnTx/>
                 <a:uFillTx/>
                 <a:latin typeface="Calibri"/>
-                <a:ea typeface="宋体" panose="02010600030101010101" pitchFamily="2" charset="-122"/>
+                <a:ea typeface="SimSun" panose="02010600030101010101" pitchFamily="2" charset="-122"/>
                 <a:cs typeface="+mn-cs"/>
               </a:rPr>
               <a:t>A pointer is a special type who holds the address of a value.</a:t>
@@ -6972,7 +7036,7 @@
               <a:uLnTx/>
               <a:uFillTx/>
               <a:latin typeface="Calibri"/>
-              <a:ea typeface="宋体" panose="02010600030101010101" pitchFamily="2" charset="-122"/>
+              <a:ea typeface="SimSun" panose="02010600030101010101" pitchFamily="2" charset="-122"/>
               <a:cs typeface="+mn-cs"/>
             </a:endParaRPr>
           </a:p>
@@ -6980,13 +7044,7 @@
       </p:sp>
       <p:sp>
         <p:nvSpPr>
-          <p:cNvPr id="6" name="文本框 5">
-            <a:extLst>
-              <a:ext uri="{FF2B5EF4-FFF2-40B4-BE49-F238E27FC236}">
-                <a16:creationId xmlns:a16="http://schemas.microsoft.com/office/drawing/2014/main" id="{0E6246C6-6167-4C10-8E71-2478B0BDBDA8}"/>
-              </a:ext>
-            </a:extLst>
-          </p:cNvPr>
+          <p:cNvPr id="6" name="文本框 5"/>
           <p:cNvSpPr txBox="1"/>
           <p:nvPr/>
         </p:nvSpPr>
@@ -7020,7 +7078,6 @@
               <a:buSzTx/>
               <a:buFontTx/>
               <a:buNone/>
-              <a:tabLst/>
               <a:defRPr/>
             </a:pPr>
             <a:r>
@@ -7035,7 +7092,7 @@
                 <a:uLnTx/>
                 <a:uFillTx/>
                 <a:latin typeface="Calibri"/>
-                <a:ea typeface="宋体" panose="02010600030101010101" pitchFamily="2" charset="-122"/>
+                <a:ea typeface="SimSun" panose="02010600030101010101" pitchFamily="2" charset="-122"/>
                 <a:cs typeface="+mn-cs"/>
               </a:rPr>
               <a:t>Pointers</a:t>
@@ -7051,7 +7108,7 @@
               <a:uLnTx/>
               <a:uFillTx/>
               <a:latin typeface="Calibri"/>
-              <a:ea typeface="宋体" panose="02010600030101010101" pitchFamily="2" charset="-122"/>
+              <a:ea typeface="SimSun" panose="02010600030101010101" pitchFamily="2" charset="-122"/>
               <a:cs typeface="+mn-cs"/>
             </a:endParaRPr>
           </a:p>
@@ -7059,13 +7116,7 @@
       </p:sp>
       <p:sp>
         <p:nvSpPr>
-          <p:cNvPr id="22" name="文本框 21">
-            <a:extLst>
-              <a:ext uri="{FF2B5EF4-FFF2-40B4-BE49-F238E27FC236}">
-                <a16:creationId xmlns:a16="http://schemas.microsoft.com/office/drawing/2014/main" id="{37997B20-9043-4065-9E1E-226AB11E56CA}"/>
-              </a:ext>
-            </a:extLst>
-          </p:cNvPr>
+          <p:cNvPr id="22" name="文本框 21"/>
           <p:cNvSpPr txBox="1"/>
           <p:nvPr/>
         </p:nvSpPr>
@@ -7098,7 +7149,7 @@
                 <a:uLnTx/>
                 <a:uFillTx/>
                 <a:latin typeface="Calibri"/>
-                <a:ea typeface="宋体" panose="02010600030101010101" pitchFamily="2" charset="-122"/>
+                <a:ea typeface="SimSun" panose="02010600030101010101" pitchFamily="2" charset="-122"/>
                 <a:cs typeface="+mn-cs"/>
               </a:rPr>
               <a:t>A pointer can point to a variable, a </a:t>
@@ -7123,7 +7174,7 @@
                 <a:uLnTx/>
                 <a:uFillTx/>
                 <a:latin typeface="Calibri"/>
-                <a:ea typeface="宋体" panose="02010600030101010101" pitchFamily="2" charset="-122"/>
+                <a:ea typeface="SimSun" panose="02010600030101010101" pitchFamily="2" charset="-122"/>
                 <a:cs typeface="+mn-cs"/>
               </a:rPr>
               <a:t>so on.</a:t>
@@ -7139,7 +7190,7 @@
               <a:uLnTx/>
               <a:uFillTx/>
               <a:latin typeface="Calibri"/>
-              <a:ea typeface="宋体" panose="02010600030101010101" pitchFamily="2" charset="-122"/>
+              <a:ea typeface="SimSun" panose="02010600030101010101" pitchFamily="2" charset="-122"/>
               <a:cs typeface="+mn-cs"/>
             </a:endParaRPr>
           </a:p>
@@ -7147,19 +7198,13 @@
       </p:sp>
       <p:sp>
         <p:nvSpPr>
-          <p:cNvPr id="23" name="文本框 22">
-            <a:extLst>
-              <a:ext uri="{FF2B5EF4-FFF2-40B4-BE49-F238E27FC236}">
-                <a16:creationId xmlns:a16="http://schemas.microsoft.com/office/drawing/2014/main" id="{623EC75D-D812-4764-90E7-AC53FD2BAC75}"/>
-              </a:ext>
-            </a:extLst>
-          </p:cNvPr>
+          <p:cNvPr id="23" name="文本框 22"/>
           <p:cNvSpPr txBox="1"/>
           <p:nvPr/>
         </p:nvSpPr>
         <p:spPr>
           <a:xfrm>
-            <a:off x="1223085" y="4262801"/>
+            <a:off x="1314525" y="4630466"/>
             <a:ext cx="10004749" cy="830997"/>
           </a:xfrm>
           <a:prstGeom prst="rect">
@@ -7187,7 +7232,6 @@
               <a:buSzTx/>
               <a:buFontTx/>
               <a:buNone/>
-              <a:tabLst/>
               <a:defRPr/>
             </a:pPr>
             <a:r>
@@ -7202,7 +7246,7 @@
                 <a:uLnTx/>
                 <a:uFillTx/>
                 <a:latin typeface="Calibri"/>
-                <a:ea typeface="宋体" panose="02010600030101010101" pitchFamily="2" charset="-122"/>
+                <a:ea typeface="SimSun" panose="02010600030101010101" pitchFamily="2" charset="-122"/>
                 <a:cs typeface="+mn-cs"/>
               </a:rPr>
               <a:t>Initialize a pointer to a definite and appropriate address before you apply the dereferencing operator (*) to it. </a:t>
@@ -7218,7 +7262,7 @@
               <a:uLnTx/>
               <a:uFillTx/>
               <a:latin typeface="Calibri"/>
-              <a:ea typeface="宋体" panose="02010600030101010101" pitchFamily="2" charset="-122"/>
+              <a:ea typeface="SimSun" panose="02010600030101010101" pitchFamily="2" charset="-122"/>
               <a:cs typeface="+mn-cs"/>
             </a:endParaRPr>
           </a:p>
@@ -7226,13 +7270,7 @@
       </p:sp>
       <p:sp>
         <p:nvSpPr>
-          <p:cNvPr id="9" name="文本框 8">
-            <a:extLst>
-              <a:ext uri="{FF2B5EF4-FFF2-40B4-BE49-F238E27FC236}">
-                <a16:creationId xmlns:a16="http://schemas.microsoft.com/office/drawing/2014/main" id="{BD5A2C45-2C60-4609-A180-5287A7B588E7}"/>
-              </a:ext>
-            </a:extLst>
-          </p:cNvPr>
+          <p:cNvPr id="9" name="文本框 8"/>
           <p:cNvSpPr txBox="1"/>
           <p:nvPr/>
         </p:nvSpPr>
@@ -7308,18 +7346,17 @@
               </a:rPr>
               <a:t>get the value stored in the memory address.</a:t>
             </a:r>
-          </a:p>
-        </p:txBody>
-      </p:sp>
-      <p:sp>
-        <p:nvSpPr>
-          <p:cNvPr id="10" name="文本框 9">
-            <a:extLst>
-              <a:ext uri="{FF2B5EF4-FFF2-40B4-BE49-F238E27FC236}">
-                <a16:creationId xmlns:a16="http://schemas.microsoft.com/office/drawing/2014/main" id="{270E2F97-2246-4C1E-9CEE-19E7ACE24147}"/>
-              </a:ext>
-            </a:extLst>
-          </p:cNvPr>
+            <a:endParaRPr lang="en-US" altLang="zh-CN" sz="2400" dirty="0">
+              <a:solidFill>
+                <a:prstClr val="black"/>
+              </a:solidFill>
+            </a:endParaRPr>
+          </a:p>
+        </p:txBody>
+      </p:sp>
+      <p:sp>
+        <p:nvSpPr>
+          <p:cNvPr id="10" name="文本框 9"/>
           <p:cNvSpPr txBox="1"/>
           <p:nvPr/>
         </p:nvSpPr>
@@ -7349,13 +7386,7 @@
       </p:sp>
       <p:sp>
         <p:nvSpPr>
-          <p:cNvPr id="3" name="文本框 2">
-            <a:extLst>
-              <a:ext uri="{FF2B5EF4-FFF2-40B4-BE49-F238E27FC236}">
-                <a16:creationId xmlns:a16="http://schemas.microsoft.com/office/drawing/2014/main" id="{08386FA4-D654-459C-85A2-F93BED4E9852}"/>
-              </a:ext>
-            </a:extLst>
-          </p:cNvPr>
+          <p:cNvPr id="3" name="文本框 2"/>
           <p:cNvSpPr txBox="1"/>
           <p:nvPr/>
         </p:nvSpPr>
@@ -7384,11 +7415,6 @@
         </p:txBody>
       </p:sp>
     </p:spTree>
-    <p:extLst>
-      <p:ext uri="{BB962C8B-B14F-4D97-AF65-F5344CB8AC3E}">
-        <p14:creationId xmlns:p14="http://schemas.microsoft.com/office/powerpoint/2010/main" val="4026507375"/>
-      </p:ext>
-    </p:extLst>
   </p:cSld>
   <p:clrMapOvr>
     <a:masterClrMapping/>
@@ -7449,7 +7475,6 @@
               <a:buSzTx/>
               <a:buFontTx/>
               <a:buNone/>
-              <a:tabLst/>
               <a:defRPr/>
             </a:pPr>
             <a:r>
@@ -7464,23 +7489,31 @@
                 <a:uLnTx/>
                 <a:uFillTx/>
                 <a:latin typeface="Calibri"/>
-                <a:ea typeface="宋体" panose="02010600030101010101" pitchFamily="2" charset="-122"/>
+                <a:ea typeface="SimSun" panose="02010600030101010101" pitchFamily="2" charset="-122"/>
                 <a:cs typeface="+mn-cs"/>
               </a:rPr>
               <a:t>Pointers to array</a:t>
             </a:r>
-          </a:p>
-        </p:txBody>
-      </p:sp>
-      <p:sp>
-        <p:nvSpPr>
-          <p:cNvPr id="20" name="文本框 19">
-            <a:extLst>
-              <a:ext uri="{FF2B5EF4-FFF2-40B4-BE49-F238E27FC236}">
-                <a16:creationId xmlns:a16="http://schemas.microsoft.com/office/drawing/2014/main" id="{163BEBDD-7E3A-41E0-86C7-69583401AE0C}"/>
-              </a:ext>
-            </a:extLst>
-          </p:cNvPr>
+            <a:endParaRPr kumimoji="0" lang="en-US" altLang="zh-CN" sz="3200" b="1" i="0" u="none" strike="noStrike" kern="1200" cap="none" spc="0" normalizeH="0" baseline="0" noProof="0" dirty="0">
+              <a:ln>
+                <a:noFill/>
+              </a:ln>
+              <a:solidFill>
+                <a:prstClr val="black"/>
+              </a:solidFill>
+              <a:effectLst/>
+              <a:uLnTx/>
+              <a:uFillTx/>
+              <a:latin typeface="Calibri"/>
+              <a:ea typeface="SimSun" panose="02010600030101010101" pitchFamily="2" charset="-122"/>
+              <a:cs typeface="+mn-cs"/>
+            </a:endParaRPr>
+          </a:p>
+        </p:txBody>
+      </p:sp>
+      <p:sp>
+        <p:nvSpPr>
+          <p:cNvPr id="20" name="文本框 19"/>
           <p:cNvSpPr txBox="1"/>
           <p:nvPr/>
         </p:nvSpPr>
@@ -7514,7 +7547,6 @@
               <a:buSzTx/>
               <a:buFontTx/>
               <a:buNone/>
-              <a:tabLst/>
               <a:defRPr/>
             </a:pPr>
             <a:r>
@@ -7529,7 +7561,7 @@
                 <a:uLnTx/>
                 <a:uFillTx/>
                 <a:latin typeface="Calibri"/>
-                <a:ea typeface="宋体" panose="02010600030101010101" pitchFamily="2" charset="-122"/>
+                <a:ea typeface="SimSun" panose="02010600030101010101" pitchFamily="2" charset="-122"/>
                 <a:cs typeface="+mn-cs"/>
               </a:rPr>
               <a:t>When a pointer points to an array, it needs not use </a:t>
@@ -7546,7 +7578,7 @@
                 <a:uLnTx/>
                 <a:uFillTx/>
                 <a:latin typeface="Calibri"/>
-                <a:ea typeface="宋体" panose="02010600030101010101" pitchFamily="2" charset="-122"/>
+                <a:ea typeface="SimSun" panose="02010600030101010101" pitchFamily="2" charset="-122"/>
                 <a:cs typeface="+mn-cs"/>
               </a:rPr>
               <a:t>&amp;</a:t>
@@ -7563,7 +7595,7 @@
                 <a:uLnTx/>
                 <a:uFillTx/>
                 <a:latin typeface="Calibri"/>
-                <a:ea typeface="宋体" panose="02010600030101010101" pitchFamily="2" charset="-122"/>
+                <a:ea typeface="SimSun" panose="02010600030101010101" pitchFamily="2" charset="-122"/>
                 <a:cs typeface="+mn-cs"/>
               </a:rPr>
               <a:t> to get the address of array, because the array name is a constant address. Dereference operator(*) combines with shifting the pointer to access the elements’ value rather than using subscript (index) .</a:t>
@@ -7579,7 +7611,7 @@
               <a:uLnTx/>
               <a:uFillTx/>
               <a:latin typeface="Calibri"/>
-              <a:ea typeface="宋体" panose="02010600030101010101" pitchFamily="2" charset="-122"/>
+              <a:ea typeface="SimSun" panose="02010600030101010101" pitchFamily="2" charset="-122"/>
               <a:cs typeface="+mn-cs"/>
             </a:endParaRPr>
           </a:p>
@@ -7587,13 +7619,7 @@
       </p:sp>
       <p:sp>
         <p:nvSpPr>
-          <p:cNvPr id="21" name="文本框 20">
-            <a:extLst>
-              <a:ext uri="{FF2B5EF4-FFF2-40B4-BE49-F238E27FC236}">
-                <a16:creationId xmlns:a16="http://schemas.microsoft.com/office/drawing/2014/main" id="{9D2B4C52-6FE0-45FE-9955-4515723BDF8F}"/>
-              </a:ext>
-            </a:extLst>
-          </p:cNvPr>
+          <p:cNvPr id="21" name="文本框 20"/>
           <p:cNvSpPr txBox="1"/>
           <p:nvPr/>
         </p:nvSpPr>
@@ -7623,13 +7649,7 @@
       </p:sp>
       <p:sp>
         <p:nvSpPr>
-          <p:cNvPr id="22" name="文本框 21">
-            <a:extLst>
-              <a:ext uri="{FF2B5EF4-FFF2-40B4-BE49-F238E27FC236}">
-                <a16:creationId xmlns:a16="http://schemas.microsoft.com/office/drawing/2014/main" id="{90C60106-0977-4C4B-AA5E-D0B155C685AE}"/>
-              </a:ext>
-            </a:extLst>
-          </p:cNvPr>
+          <p:cNvPr id="22" name="文本框 21"/>
           <p:cNvSpPr txBox="1"/>
           <p:nvPr/>
         </p:nvSpPr>
@@ -7658,11 +7678,6 @@
         </p:txBody>
       </p:sp>
     </p:spTree>
-    <p:extLst>
-      <p:ext uri="{BB962C8B-B14F-4D97-AF65-F5344CB8AC3E}">
-        <p14:creationId xmlns:p14="http://schemas.microsoft.com/office/powerpoint/2010/main" val="908689681"/>
-      </p:ext>
-    </p:extLst>
   </p:cSld>
   <p:clrMapOvr>
     <a:masterClrMapping/>
@@ -7713,6 +7728,7 @@
               <a:rPr lang="en-US" altLang="zh-CN" sz="4000" b="1" dirty="0"/>
               <a:t> Dynamic Memory</a:t>
             </a:r>
+            <a:endParaRPr lang="en-US" altLang="zh-CN" sz="4000" b="1" dirty="0"/>
           </a:p>
         </p:txBody>
       </p:sp>
@@ -7752,7 +7768,6 @@
               <a:buSzTx/>
               <a:buFontTx/>
               <a:buNone/>
-              <a:tabLst/>
               <a:defRPr/>
             </a:pPr>
             <a:r>
@@ -7767,7 +7782,7 @@
                 <a:uLnTx/>
                 <a:uFillTx/>
                 <a:latin typeface="Calibri"/>
-                <a:ea typeface="宋体" panose="02010600030101010101" pitchFamily="2" charset="-122"/>
+                <a:ea typeface="SimSun" panose="02010600030101010101" pitchFamily="2" charset="-122"/>
                 <a:cs typeface="+mn-cs"/>
               </a:rPr>
               <a:t>With C style,</a:t>
@@ -7784,7 +7799,7 @@
                 <a:uLnTx/>
                 <a:uFillTx/>
                 <a:latin typeface="Calibri"/>
-                <a:ea typeface="宋体" panose="02010600030101010101" pitchFamily="2" charset="-122"/>
+                <a:ea typeface="SimSun" panose="02010600030101010101" pitchFamily="2" charset="-122"/>
                 <a:cs typeface="+mn-cs"/>
               </a:rPr>
               <a:t> y</a:t>
@@ -7801,7 +7816,7 @@
                 <a:uLnTx/>
                 <a:uFillTx/>
                 <a:latin typeface="Calibri"/>
-                <a:ea typeface="宋体" panose="02010600030101010101" pitchFamily="2" charset="-122"/>
+                <a:ea typeface="SimSun" panose="02010600030101010101" pitchFamily="2" charset="-122"/>
                 <a:cs typeface="+mn-cs"/>
               </a:rPr>
               <a:t>ou can use </a:t>
@@ -7818,7 +7833,7 @@
                 <a:uLnTx/>
                 <a:uFillTx/>
                 <a:latin typeface="Calibri"/>
-                <a:ea typeface="宋体" panose="02010600030101010101" pitchFamily="2" charset="-122"/>
+                <a:ea typeface="SimSun" panose="02010600030101010101" pitchFamily="2" charset="-122"/>
                 <a:cs typeface="+mn-cs"/>
               </a:rPr>
               <a:t>calloc</a:t>
@@ -7835,7 +7850,7 @@
                 <a:uLnTx/>
                 <a:uFillTx/>
                 <a:latin typeface="Calibri"/>
-                <a:ea typeface="宋体" panose="02010600030101010101" pitchFamily="2" charset="-122"/>
+                <a:ea typeface="SimSun" panose="02010600030101010101" pitchFamily="2" charset="-122"/>
                 <a:cs typeface="+mn-cs"/>
               </a:rPr>
               <a:t> or </a:t>
@@ -7852,7 +7867,7 @@
                 <a:uLnTx/>
                 <a:uFillTx/>
                 <a:latin typeface="Calibri"/>
-                <a:ea typeface="宋体" panose="02010600030101010101" pitchFamily="2" charset="-122"/>
+                <a:ea typeface="SimSun" panose="02010600030101010101" pitchFamily="2" charset="-122"/>
                 <a:cs typeface="+mn-cs"/>
               </a:rPr>
               <a:t>malloc</a:t>
@@ -7869,11 +7884,25 @@
                 <a:uLnTx/>
                 <a:uFillTx/>
                 <a:latin typeface="Calibri"/>
-                <a:ea typeface="宋体" panose="02010600030101010101" pitchFamily="2" charset="-122"/>
+                <a:ea typeface="SimSun" panose="02010600030101010101" pitchFamily="2" charset="-122"/>
                 <a:cs typeface="+mn-cs"/>
               </a:rPr>
               <a:t> function to allocate memory for a pointer. </a:t>
             </a:r>
+            <a:endParaRPr kumimoji="0" lang="en-US" altLang="zh-CN" sz="2400" b="0" i="0" u="none" strike="noStrike" kern="1200" cap="none" spc="0" normalizeH="0" baseline="0" noProof="0" dirty="0">
+              <a:ln>
+                <a:noFill/>
+              </a:ln>
+              <a:solidFill>
+                <a:prstClr val="black"/>
+              </a:solidFill>
+              <a:effectLst/>
+              <a:uLnTx/>
+              <a:uFillTx/>
+              <a:latin typeface="Calibri"/>
+              <a:ea typeface="SimSun" panose="02010600030101010101" pitchFamily="2" charset="-122"/>
+              <a:cs typeface="+mn-cs"/>
+            </a:endParaRPr>
           </a:p>
         </p:txBody>
       </p:sp>
@@ -7913,7 +7942,6 @@
               <a:buSzTx/>
               <a:buFontTx/>
               <a:buNone/>
-              <a:tabLst/>
               <a:defRPr/>
             </a:pPr>
             <a:r>
@@ -7928,7 +7956,7 @@
                 <a:uLnTx/>
                 <a:uFillTx/>
                 <a:latin typeface="Calibri"/>
-                <a:ea typeface="宋体" panose="02010600030101010101" pitchFamily="2" charset="-122"/>
+                <a:ea typeface="SimSun" panose="02010600030101010101" pitchFamily="2" charset="-122"/>
                 <a:cs typeface="+mn-cs"/>
               </a:rPr>
               <a:t>When you are not in need of memory any more, you should release</a:t>
@@ -7945,7 +7973,7 @@
                 <a:uLnTx/>
                 <a:uFillTx/>
                 <a:latin typeface="Calibri"/>
-                <a:ea typeface="宋体" panose="02010600030101010101" pitchFamily="2" charset="-122"/>
+                <a:ea typeface="SimSun" panose="02010600030101010101" pitchFamily="2" charset="-122"/>
                 <a:cs typeface="+mn-cs"/>
               </a:rPr>
               <a:t> </a:t>
@@ -7962,7 +7990,7 @@
                 <a:uLnTx/>
                 <a:uFillTx/>
                 <a:latin typeface="Calibri"/>
-                <a:ea typeface="宋体" panose="02010600030101010101" pitchFamily="2" charset="-122"/>
+                <a:ea typeface="SimSun" panose="02010600030101010101" pitchFamily="2" charset="-122"/>
                 <a:cs typeface="+mn-cs"/>
               </a:rPr>
               <a:t>that memory by calling the function </a:t>
@@ -7979,7 +8007,7 @@
                 <a:uLnTx/>
                 <a:uFillTx/>
                 <a:latin typeface="Calibri"/>
-                <a:ea typeface="宋体" panose="02010600030101010101" pitchFamily="2" charset="-122"/>
+                <a:ea typeface="SimSun" panose="02010600030101010101" pitchFamily="2" charset="-122"/>
                 <a:cs typeface="+mn-cs"/>
               </a:rPr>
               <a:t>free().</a:t>
@@ -7995,7 +8023,7 @@
               <a:uLnTx/>
               <a:uFillTx/>
               <a:latin typeface="Calibri"/>
-              <a:ea typeface="宋体" panose="02010600030101010101" pitchFamily="2" charset="-122"/>
+              <a:ea typeface="SimSun" panose="02010600030101010101" pitchFamily="2" charset="-122"/>
               <a:cs typeface="+mn-cs"/>
             </a:endParaRPr>
           </a:p>
@@ -8003,13 +8031,7 @@
       </p:sp>
       <p:sp>
         <p:nvSpPr>
-          <p:cNvPr id="8" name="TextBox 1">
-            <a:extLst>
-              <a:ext uri="{FF2B5EF4-FFF2-40B4-BE49-F238E27FC236}">
-                <a16:creationId xmlns:a16="http://schemas.microsoft.com/office/drawing/2014/main" id="{72A6DE31-4642-4882-993C-A2B8A6BE9339}"/>
-              </a:ext>
-            </a:extLst>
-          </p:cNvPr>
+          <p:cNvPr id="8" name="TextBox 1"/>
           <p:cNvSpPr txBox="1"/>
           <p:nvPr/>
         </p:nvSpPr>
@@ -8043,7 +8065,6 @@
               <a:buSzTx/>
               <a:buFontTx/>
               <a:buNone/>
-              <a:tabLst/>
               <a:defRPr/>
             </a:pPr>
             <a:r>
@@ -8058,7 +8079,7 @@
                 <a:uLnTx/>
                 <a:uFillTx/>
                 <a:latin typeface="Calibri"/>
-                <a:ea typeface="宋体" panose="02010600030101010101" pitchFamily="2" charset="-122"/>
+                <a:ea typeface="SimSun" panose="02010600030101010101" pitchFamily="2" charset="-122"/>
                 <a:cs typeface="+mn-cs"/>
               </a:rPr>
               <a:t>With C++ style,</a:t>
@@ -8075,7 +8096,7 @@
                 <a:uLnTx/>
                 <a:uFillTx/>
                 <a:latin typeface="Calibri"/>
-                <a:ea typeface="宋体" panose="02010600030101010101" pitchFamily="2" charset="-122"/>
+                <a:ea typeface="SimSun" panose="02010600030101010101" pitchFamily="2" charset="-122"/>
                 <a:cs typeface="+mn-cs"/>
               </a:rPr>
               <a:t> y</a:t>
@@ -8092,7 +8113,7 @@
                 <a:uLnTx/>
                 <a:uFillTx/>
                 <a:latin typeface="Calibri"/>
-                <a:ea typeface="宋体" panose="02010600030101010101" pitchFamily="2" charset="-122"/>
+                <a:ea typeface="SimSun" panose="02010600030101010101" pitchFamily="2" charset="-122"/>
                 <a:cs typeface="+mn-cs"/>
               </a:rPr>
               <a:t>ou can use </a:t>
@@ -8103,7 +8124,7 @@
                   <a:srgbClr val="00B0F0"/>
                 </a:solidFill>
                 <a:latin typeface="Calibri"/>
-                <a:ea typeface="宋体" panose="02010600030101010101" pitchFamily="2" charset="-122"/>
+                <a:ea typeface="SimSun" panose="02010600030101010101" pitchFamily="2" charset="-122"/>
               </a:rPr>
               <a:t>new</a:t>
             </a:r>
@@ -8119,7 +8140,7 @@
                 <a:uLnTx/>
                 <a:uFillTx/>
                 <a:latin typeface="Calibri"/>
-                <a:ea typeface="宋体" panose="02010600030101010101" pitchFamily="2" charset="-122"/>
+                <a:ea typeface="SimSun" panose="02010600030101010101" pitchFamily="2" charset="-122"/>
                 <a:cs typeface="+mn-cs"/>
               </a:rPr>
               <a:t>  </a:t>
@@ -8130,7 +8151,7 @@
                   <a:prstClr val="black"/>
                 </a:solidFill>
                 <a:latin typeface="Calibri"/>
-                <a:ea typeface="宋体" panose="02010600030101010101" pitchFamily="2" charset="-122"/>
+                <a:ea typeface="SimSun" panose="02010600030101010101" pitchFamily="2" charset="-122"/>
               </a:rPr>
               <a:t>operator </a:t>
             </a:r>
@@ -8146,7 +8167,7 @@
                 <a:uLnTx/>
                 <a:uFillTx/>
                 <a:latin typeface="Calibri"/>
-                <a:ea typeface="宋体" panose="02010600030101010101" pitchFamily="2" charset="-122"/>
+                <a:ea typeface="SimSun" panose="02010600030101010101" pitchFamily="2" charset="-122"/>
                 <a:cs typeface="+mn-cs"/>
               </a:rPr>
               <a:t>to allocate memory for a pointer</a:t>
@@ -8163,11 +8184,25 @@
                 <a:uLnTx/>
                 <a:uFillTx/>
                 <a:latin typeface="Calibri"/>
-                <a:ea typeface="宋体" panose="02010600030101010101" pitchFamily="2" charset="-122"/>
+                <a:ea typeface="SimSun" panose="02010600030101010101" pitchFamily="2" charset="-122"/>
                 <a:cs typeface="+mn-cs"/>
               </a:rPr>
               <a:t> and </a:t>
             </a:r>
+            <a:endParaRPr kumimoji="0" lang="en-US" altLang="zh-CN" sz="2400" b="0" i="0" u="none" strike="noStrike" kern="1200" cap="none" spc="0" normalizeH="0" noProof="0" dirty="0">
+              <a:ln>
+                <a:noFill/>
+              </a:ln>
+              <a:solidFill>
+                <a:prstClr val="black"/>
+              </a:solidFill>
+              <a:effectLst/>
+              <a:uLnTx/>
+              <a:uFillTx/>
+              <a:latin typeface="Calibri"/>
+              <a:ea typeface="SimSun" panose="02010600030101010101" pitchFamily="2" charset="-122"/>
+              <a:cs typeface="+mn-cs"/>
+            </a:endParaRPr>
           </a:p>
           <a:p>
             <a:pPr marL="0" marR="0" lvl="0" indent="0" algn="l" defTabSz="914400" rtl="0" eaLnBrk="1" fontAlgn="auto" latinLnBrk="0" hangingPunct="1">
@@ -8184,7 +8219,6 @@
               <a:buSzTx/>
               <a:buFontTx/>
               <a:buNone/>
-              <a:tabLst/>
               <a:defRPr/>
             </a:pPr>
             <a:r>
@@ -8199,7 +8233,7 @@
                 <a:uLnTx/>
                 <a:uFillTx/>
                 <a:latin typeface="Calibri"/>
-                <a:ea typeface="宋体" panose="02010600030101010101" pitchFamily="2" charset="-122"/>
+                <a:ea typeface="SimSun" panose="02010600030101010101" pitchFamily="2" charset="-122"/>
                 <a:cs typeface="+mn-cs"/>
               </a:rPr>
               <a:t>delete</a:t>
@@ -8216,7 +8250,7 @@
                 <a:uLnTx/>
                 <a:uFillTx/>
                 <a:latin typeface="Calibri"/>
-                <a:ea typeface="宋体" panose="02010600030101010101" pitchFamily="2" charset="-122"/>
+                <a:ea typeface="SimSun" panose="02010600030101010101" pitchFamily="2" charset="-122"/>
                 <a:cs typeface="+mn-cs"/>
               </a:rPr>
               <a:t> operator to release </a:t>
@@ -8227,7 +8261,7 @@
                   <a:prstClr val="black"/>
                 </a:solidFill>
                 <a:latin typeface="Calibri"/>
-                <a:ea typeface="宋体" panose="02010600030101010101" pitchFamily="2" charset="-122"/>
+                <a:ea typeface="SimSun" panose="02010600030101010101" pitchFamily="2" charset="-122"/>
               </a:rPr>
               <a:t>t</a:t>
             </a:r>
@@ -8237,7 +8271,7 @@
                   <a:prstClr val="black"/>
                 </a:solidFill>
                 <a:latin typeface="Calibri"/>
-                <a:ea typeface="宋体" panose="02010600030101010101" pitchFamily="2" charset="-122"/>
+                <a:ea typeface="SimSun" panose="02010600030101010101" pitchFamily="2" charset="-122"/>
               </a:rPr>
               <a:t>hat</a:t>
             </a:r>
@@ -8247,7 +8281,7 @@
                   <a:prstClr val="black"/>
                 </a:solidFill>
                 <a:latin typeface="Calibri"/>
-                <a:ea typeface="宋体" panose="02010600030101010101" pitchFamily="2" charset="-122"/>
+                <a:ea typeface="SimSun" panose="02010600030101010101" pitchFamily="2" charset="-122"/>
               </a:rPr>
               <a:t> memory.</a:t>
             </a:r>
@@ -8262,7 +8296,7 @@
               <a:uLnTx/>
               <a:uFillTx/>
               <a:latin typeface="Calibri"/>
-              <a:ea typeface="宋体" panose="02010600030101010101" pitchFamily="2" charset="-122"/>
+              <a:ea typeface="SimSun" panose="02010600030101010101" pitchFamily="2" charset="-122"/>
               <a:cs typeface="+mn-cs"/>
             </a:endParaRPr>
           </a:p>
@@ -8270,13 +8304,7 @@
       </p:sp>
       <p:sp>
         <p:nvSpPr>
-          <p:cNvPr id="9" name="文本框 8">
-            <a:extLst>
-              <a:ext uri="{FF2B5EF4-FFF2-40B4-BE49-F238E27FC236}">
-                <a16:creationId xmlns:a16="http://schemas.microsoft.com/office/drawing/2014/main" id="{ECEB5851-4B6B-42F4-AF4D-EAD520059D77}"/>
-              </a:ext>
-            </a:extLst>
-          </p:cNvPr>
+          <p:cNvPr id="9" name="文本框 8"/>
           <p:cNvSpPr txBox="1"/>
           <p:nvPr/>
         </p:nvSpPr>
@@ -8330,13 +8358,7 @@
       </p:sp>
       <p:sp>
         <p:nvSpPr>
-          <p:cNvPr id="10" name="文本框 9">
-            <a:extLst>
-              <a:ext uri="{FF2B5EF4-FFF2-40B4-BE49-F238E27FC236}">
-                <a16:creationId xmlns:a16="http://schemas.microsoft.com/office/drawing/2014/main" id="{B2414D92-0762-449C-A4CB-C0A85C3CB691}"/>
-              </a:ext>
-            </a:extLst>
-          </p:cNvPr>
+          <p:cNvPr id="10" name="文本框 9"/>
           <p:cNvSpPr txBox="1"/>
           <p:nvPr/>
         </p:nvSpPr>
@@ -8366,13 +8388,7 @@
       </p:sp>
       <p:sp>
         <p:nvSpPr>
-          <p:cNvPr id="11" name="文本框 10">
-            <a:extLst>
-              <a:ext uri="{FF2B5EF4-FFF2-40B4-BE49-F238E27FC236}">
-                <a16:creationId xmlns:a16="http://schemas.microsoft.com/office/drawing/2014/main" id="{784085CF-CEA1-4D19-8DD0-719A853327A7}"/>
-              </a:ext>
-            </a:extLst>
-          </p:cNvPr>
+          <p:cNvPr id="11" name="文本框 10"/>
           <p:cNvSpPr txBox="1"/>
           <p:nvPr/>
         </p:nvSpPr>
@@ -8401,11 +8417,6 @@
         </p:txBody>
       </p:sp>
     </p:spTree>
-    <p:extLst>
-      <p:ext uri="{BB962C8B-B14F-4D97-AF65-F5344CB8AC3E}">
-        <p14:creationId xmlns:p14="http://schemas.microsoft.com/office/powerpoint/2010/main" val="3932338425"/>
-      </p:ext>
-    </p:extLst>
   </p:cSld>
   <p:clrMapOvr>
     <a:masterClrMapping/>
@@ -8738,12 +8749,14 @@
               <a:rPr lang="en-US" altLang="zh-CN"/>
               <a:t>Debugging is a common process in the software development process.</a:t>
             </a:r>
+            <a:endParaRPr lang="en-US" altLang="zh-CN"/>
           </a:p>
           <a:p>
             <a:r>
               <a:rPr lang="en-US" altLang="zh-CN"/>
               <a:t>Let us assume we don’t know why the following code went wrong:</a:t>
             </a:r>
+            <a:endParaRPr lang="en-US" altLang="zh-CN"/>
           </a:p>
         </p:txBody>
       </p:sp>
@@ -8773,18 +8786,21 @@
               <a:rPr lang="zh-CN" altLang="en-US"/>
               <a:t>#include&lt;iostream&gt;</a:t>
             </a:r>
+            <a:endParaRPr lang="zh-CN" altLang="en-US"/>
           </a:p>
           <a:p>
             <a:r>
               <a:rPr lang="zh-CN" altLang="en-US"/>
               <a:t>using std::cout;</a:t>
             </a:r>
+            <a:endParaRPr lang="zh-CN" altLang="en-US"/>
           </a:p>
           <a:p>
             <a:r>
               <a:rPr lang="zh-CN" altLang="en-US"/>
               <a:t>using std::endl;</a:t>
             </a:r>
+            <a:endParaRPr lang="zh-CN" altLang="en-US"/>
           </a:p>
           <a:p>
             <a:endParaRPr lang="zh-CN" altLang="en-US"/>
@@ -8794,6 +8810,7 @@
               <a:rPr lang="zh-CN" altLang="en-US"/>
               <a:t>int plus( int a, int b ) {</a:t>
             </a:r>
+            <a:endParaRPr lang="zh-CN" altLang="en-US"/>
           </a:p>
           <a:p>
             <a:r>
@@ -8804,12 +8821,14 @@
               <a:rPr lang="zh-CN" altLang="en-US"/>
               <a:t>return a + b;</a:t>
             </a:r>
+            <a:endParaRPr lang="zh-CN" altLang="en-US"/>
           </a:p>
           <a:p>
             <a:r>
               <a:rPr lang="zh-CN" altLang="en-US"/>
               <a:t>}</a:t>
             </a:r>
+            <a:endParaRPr lang="zh-CN" altLang="en-US"/>
           </a:p>
           <a:p>
             <a:endParaRPr lang="zh-CN" altLang="en-US"/>
@@ -8819,6 +8838,7 @@
               <a:rPr lang="zh-CN" altLang="en-US"/>
               <a:t>int main() {</a:t>
             </a:r>
+            <a:endParaRPr lang="zh-CN" altLang="en-US"/>
           </a:p>
           <a:p>
             <a:r>
@@ -8831,6 +8851,7 @@
               <a:rPr lang="zh-CN" altLang="en-US"/>
               <a:t>int a = 1234567890;</a:t>
             </a:r>
+            <a:endParaRPr lang="zh-CN" altLang="en-US"/>
           </a:p>
           <a:p>
             <a:r>
@@ -8843,6 +8864,7 @@
               <a:rPr lang="zh-CN" altLang="en-US"/>
               <a:t>int b = 1234567890;</a:t>
             </a:r>
+            <a:endParaRPr lang="zh-CN" altLang="en-US"/>
           </a:p>
           <a:p>
             <a:r>
@@ -8855,6 +8877,7 @@
               <a:rPr lang="zh-CN" altLang="en-US"/>
               <a:t>int c = plus(a, b);</a:t>
             </a:r>
+            <a:endParaRPr lang="zh-CN" altLang="en-US"/>
           </a:p>
           <a:p>
             <a:r>
@@ -8867,18 +8890,21 @@
               <a:rPr lang="zh-CN" altLang="en-US"/>
               <a:t>cout&lt;&lt;"a + b = "&lt;&lt;c&lt;&lt;endl;</a:t>
             </a:r>
+            <a:endParaRPr lang="zh-CN" altLang="en-US"/>
           </a:p>
           <a:p>
             <a:r>
               <a:rPr lang="zh-CN" altLang="en-US"/>
               <a:t>return 0;</a:t>
             </a:r>
+            <a:endParaRPr lang="zh-CN" altLang="en-US"/>
           </a:p>
           <a:p>
             <a:r>
               <a:rPr lang="zh-CN" altLang="en-US"/>
               <a:t>}</a:t>
             </a:r>
+            <a:endParaRPr lang="zh-CN" altLang="en-US"/>
           </a:p>
         </p:txBody>
       </p:sp>
@@ -8908,6 +8934,7 @@
               <a:rPr lang="zh-CN" altLang="en-US" sz="2400"/>
               <a:t>a + b = -1825831516</a:t>
             </a:r>
+            <a:endParaRPr lang="zh-CN" altLang="en-US" sz="2400"/>
           </a:p>
         </p:txBody>
       </p:sp>
@@ -9028,18 +9055,21 @@
               <a:rPr lang="en-US" altLang="zh-CN"/>
               <a:t>One common way of debugging: inserting “cout” everywhere.</a:t>
             </a:r>
+            <a:endParaRPr lang="en-US" altLang="zh-CN"/>
           </a:p>
           <a:p>
             <a:r>
               <a:rPr lang="en-US" altLang="zh-CN"/>
               <a:t>Simple to understand.</a:t>
             </a:r>
+            <a:endParaRPr lang="en-US" altLang="zh-CN"/>
           </a:p>
           <a:p>
             <a:r>
               <a:rPr lang="en-US" altLang="zh-CN"/>
               <a:t>After you find the bug, you need to remove all</a:t>
             </a:r>
+            <a:endParaRPr lang="en-US" altLang="zh-CN"/>
           </a:p>
           <a:p>
             <a:pPr marL="0" indent="0">
@@ -9049,6 +9079,7 @@
               <a:rPr lang="en-US" altLang="zh-CN"/>
               <a:t>   the “cout”, could take a lot of time.</a:t>
             </a:r>
+            <a:endParaRPr lang="en-US" altLang="zh-CN"/>
           </a:p>
           <a:p>
             <a:pPr>
@@ -9059,6 +9090,7 @@
               <a:rPr lang="en-US" altLang="zh-CN"/>
               <a:t>Using gdb could be a better choice.</a:t>
             </a:r>
+            <a:endParaRPr lang="en-US" altLang="zh-CN"/>
           </a:p>
         </p:txBody>
       </p:sp>
@@ -9088,6 +9120,7 @@
               <a:rPr lang="zh-CN" altLang="en-US"/>
               <a:t>int plus( int a, int b ) {</a:t>
             </a:r>
+            <a:endParaRPr lang="zh-CN" altLang="en-US"/>
           </a:p>
           <a:p>
             <a:r>
@@ -9100,6 +9133,7 @@
               <a:rPr lang="zh-CN" altLang="en-US"/>
               <a:t>cout&lt;&lt;"in plus "&lt;&lt;a&lt;&lt;endl;</a:t>
             </a:r>
+            <a:endParaRPr lang="zh-CN" altLang="en-US"/>
           </a:p>
           <a:p>
             <a:r>
@@ -9112,6 +9146,7 @@
               <a:rPr lang="zh-CN" altLang="en-US"/>
               <a:t>cout&lt;&lt;"in plus "&lt;&lt;b&lt;&lt;endl;</a:t>
             </a:r>
+            <a:endParaRPr lang="zh-CN" altLang="en-US"/>
           </a:p>
           <a:p>
             <a:r>
@@ -9124,12 +9159,14 @@
               <a:rPr lang="zh-CN" altLang="en-US"/>
               <a:t>return a + b;</a:t>
             </a:r>
+            <a:endParaRPr lang="zh-CN" altLang="en-US"/>
           </a:p>
           <a:p>
             <a:r>
               <a:rPr lang="zh-CN" altLang="en-US"/>
               <a:t>}</a:t>
             </a:r>
+            <a:endParaRPr lang="zh-CN" altLang="en-US"/>
           </a:p>
           <a:p>
             <a:endParaRPr lang="zh-CN" altLang="en-US"/>
@@ -9139,6 +9176,7 @@
               <a:rPr lang="zh-CN" altLang="en-US"/>
               <a:t>int main() {</a:t>
             </a:r>
+            <a:endParaRPr lang="zh-CN" altLang="en-US"/>
           </a:p>
           <a:p>
             <a:r>
@@ -9149,6 +9187,7 @@
               <a:rPr lang="zh-CN" altLang="en-US"/>
               <a:t>int a = 1234567890;</a:t>
             </a:r>
+            <a:endParaRPr lang="zh-CN" altLang="en-US"/>
           </a:p>
           <a:p>
             <a:r>
@@ -9161,6 +9200,7 @@
               <a:rPr lang="zh-CN" altLang="en-US"/>
               <a:t>cout&lt;&lt;"in main "&lt;&lt;a&lt;&lt;endl;</a:t>
             </a:r>
+            <a:endParaRPr lang="zh-CN" altLang="en-US"/>
           </a:p>
           <a:p>
             <a:r>
@@ -9173,6 +9213,7 @@
               <a:rPr lang="zh-CN" altLang="en-US"/>
               <a:t>int b = 1234567890;</a:t>
             </a:r>
+            <a:endParaRPr lang="zh-CN" altLang="en-US"/>
           </a:p>
           <a:p>
             <a:r>
@@ -9185,6 +9226,7 @@
               <a:rPr lang="zh-CN" altLang="en-US"/>
               <a:t>cout&lt;&lt;"in main "&lt;&lt;b&lt;&lt;endl;</a:t>
             </a:r>
+            <a:endParaRPr lang="zh-CN" altLang="en-US"/>
           </a:p>
           <a:p>
             <a:r>
@@ -9197,6 +9239,7 @@
               <a:rPr lang="zh-CN" altLang="en-US"/>
               <a:t>int c = plus(a, b);</a:t>
             </a:r>
+            <a:endParaRPr lang="zh-CN" altLang="en-US"/>
           </a:p>
           <a:p>
             <a:r>
@@ -9209,18 +9252,21 @@
               <a:rPr lang="zh-CN" altLang="en-US"/>
               <a:t>cout&lt;&lt;"a + b = "&lt;&lt;c&lt;&lt;endl;</a:t>
             </a:r>
+            <a:endParaRPr lang="zh-CN" altLang="en-US"/>
           </a:p>
           <a:p>
             <a:r>
               <a:rPr lang="zh-CN" altLang="en-US"/>
               <a:t>return 0;</a:t>
             </a:r>
+            <a:endParaRPr lang="zh-CN" altLang="en-US"/>
           </a:p>
           <a:p>
             <a:r>
               <a:rPr lang="zh-CN" altLang="en-US"/>
               <a:t>}</a:t>
             </a:r>
+            <a:endParaRPr lang="zh-CN" altLang="en-US"/>
           </a:p>
         </p:txBody>
       </p:sp>
@@ -9349,6 +9395,7 @@
               <a:rPr lang="en-US" altLang="zh-CN" dirty="0"/>
               <a:t>:</a:t>
             </a:r>
+            <a:endParaRPr lang="en-US" altLang="zh-CN" dirty="0"/>
           </a:p>
           <a:p>
             <a:r>
@@ -9371,6 +9418,7 @@
               <a:rPr lang="en-US" altLang="zh-CN" dirty="0"/>
               <a:t>.</a:t>
             </a:r>
+            <a:endParaRPr lang="en-US" altLang="zh-CN" dirty="0"/>
           </a:p>
           <a:p>
             <a:endParaRPr lang="en-US" altLang="zh-CN" dirty="0"/>
@@ -9380,6 +9428,7 @@
               <a:rPr lang="en-US" altLang="zh-CN" dirty="0"/>
               <a:t>For example, run the following command to compile main.cpp:</a:t>
             </a:r>
+            <a:endParaRPr lang="en-US" altLang="zh-CN" dirty="0"/>
           </a:p>
           <a:p>
             <a:endParaRPr lang="en-US" altLang="zh-CN" dirty="0"/>
@@ -9392,6 +9441,7 @@
               <a:rPr lang="en-US" altLang="zh-CN" dirty="0"/>
               <a:t>   g++ -g -o main main.cpp</a:t>
             </a:r>
+            <a:endParaRPr lang="en-US" altLang="zh-CN" dirty="0"/>
           </a:p>
         </p:txBody>
       </p:sp>
@@ -9556,6 +9606,7 @@
               <a:rPr lang="en-US" altLang="zh-CN"/>
               <a:t>Next, running the compiled program with gdb:</a:t>
             </a:r>
+            <a:endParaRPr lang="en-US" altLang="zh-CN"/>
           </a:p>
           <a:p>
             <a:pPr marL="0" indent="0">
@@ -9576,6 +9627,7 @@
               <a:rPr lang="en-US" altLang="zh-CN"/>
               <a:t>For example, if your executable name is “main”, then run:</a:t>
             </a:r>
+            <a:endParaRPr lang="en-US" altLang="zh-CN"/>
           </a:p>
           <a:p>
             <a:pPr marL="0" indent="0">
@@ -9585,6 +9637,7 @@
               <a:rPr lang="en-US" altLang="zh-CN"/>
               <a:t>   gdb main</a:t>
             </a:r>
+            <a:endParaRPr lang="en-US" altLang="zh-CN"/>
           </a:p>
           <a:p>
             <a:pPr marL="0" indent="0">
@@ -9597,6 +9650,7 @@
               <a:rPr lang="en-US" altLang="zh-CN"/>
               <a:t>You see something like</a:t>
             </a:r>
+            <a:endParaRPr lang="en-US" altLang="zh-CN"/>
           </a:p>
           <a:p>
             <a:pPr marL="0" indent="0">
@@ -9606,6 +9660,7 @@
               <a:rPr lang="en-US" altLang="zh-CN"/>
               <a:t>   this:</a:t>
             </a:r>
+            <a:endParaRPr lang="en-US" altLang="zh-CN"/>
           </a:p>
         </p:txBody>
       </p:sp>
@@ -9622,7 +9677,7 @@
           </p:nvPr>
         </p:nvPicPr>
         <p:blipFill>
-          <a:blip r:embed="rId3"/>
+          <a:blip r:embed="rId2"/>
           <a:stretch>
             <a:fillRect/>
           </a:stretch>
@@ -9646,7 +9701,7 @@
 </file>
 
 <file path=ppt/tags/tag1.xml><?xml version="1.0" encoding="utf-8"?>
-<p:tagLst xmlns:a="http://schemas.openxmlformats.org/drawingml/2006/main" xmlns:r="http://schemas.openxmlformats.org/officeDocument/2006/relationships" xmlns:p="http://schemas.openxmlformats.org/presentationml/2006/main">
+<p:tagLst xmlns:p="http://schemas.openxmlformats.org/presentationml/2006/main">
   <p:tag name="KSO_WM_UNIT_PLACING_PICTURE_USER_VIEWPORT" val="{&quot;height&quot;:5364,&quot;width&quot;:11268}"/>
 </p:tagLst>
 </file>
@@ -9902,8 +9957,6 @@
       </a:bgFillStyleLst>
     </a:fmtScheme>
   </a:themeElements>
-  <a:objectDefaults/>
-  <a:extraClrSchemeLst/>
   <a:extLst>
     <a:ext uri="{05A4C25C-085E-4340-85A3-A5531E510DB2}">
       <thm15:themeFamily xmlns:thm15="http://schemas.microsoft.com/office/thememl/2012/main" name="Office Theme" id="{62F939B6-93AF-4DB8-9C6B-D6C7DFDC589F}" vid="{4A3C46E8-61CC-4603-A589-7422A47A8E4A}"/>
@@ -10163,8 +10216,6 @@
       </a:bgFillStyleLst>
     </a:fmtScheme>
   </a:themeElements>
-  <a:objectDefaults/>
-  <a:extraClrSchemeLst/>
   <a:extLst>
     <a:ext uri="{05A4C25C-085E-4340-85A3-A5531E510DB2}">
       <thm15:themeFamily xmlns:thm15="http://schemas.microsoft.com/office/thememl/2012/main" name="Office Theme" id="{62F939B6-93AF-4DB8-9C6B-D6C7DFDC589F}" vid="{4A3C46E8-61CC-4603-A589-7422A47A8E4A}"/>
